--- a/images/sources/Figures.pptx
+++ b/images/sources/Figures.pptx
@@ -12,6 +12,9 @@
     <p:sldId id="260" r:id="rId6"/>
     <p:sldId id="261" r:id="rId7"/>
     <p:sldId id="262" r:id="rId8"/>
+    <p:sldId id="263" r:id="rId9"/>
+    <p:sldId id="264" r:id="rId10"/>
+    <p:sldId id="265" r:id="rId11"/>
   </p:sldIdLst>
   <p:sldSz cx="9144000" cy="6858000" type="screen4x3"/>
   <p:notesSz cx="6858000" cy="9144000"/>
@@ -249,7 +252,7 @@
           <a:p>
             <a:fld id="{ABA1301C-6566-064A-B087-31BADF3C1B3F}" type="datetimeFigureOut">
               <a:rPr lang="en-US" smtClean="0"/>
-              <a:t>5/11/21</a:t>
+              <a:t>5/23/21</a:t>
             </a:fld>
             <a:endParaRPr lang="en-US"/>
           </a:p>
@@ -419,7 +422,7 @@
           <a:p>
             <a:fld id="{ABA1301C-6566-064A-B087-31BADF3C1B3F}" type="datetimeFigureOut">
               <a:rPr lang="en-US" smtClean="0"/>
-              <a:t>5/11/21</a:t>
+              <a:t>5/23/21</a:t>
             </a:fld>
             <a:endParaRPr lang="en-US"/>
           </a:p>
@@ -599,7 +602,7 @@
           <a:p>
             <a:fld id="{ABA1301C-6566-064A-B087-31BADF3C1B3F}" type="datetimeFigureOut">
               <a:rPr lang="en-US" smtClean="0"/>
-              <a:t>5/11/21</a:t>
+              <a:t>5/23/21</a:t>
             </a:fld>
             <a:endParaRPr lang="en-US"/>
           </a:p>
@@ -769,7 +772,7 @@
           <a:p>
             <a:fld id="{ABA1301C-6566-064A-B087-31BADF3C1B3F}" type="datetimeFigureOut">
               <a:rPr lang="en-US" smtClean="0"/>
-              <a:t>5/11/21</a:t>
+              <a:t>5/23/21</a:t>
             </a:fld>
             <a:endParaRPr lang="en-US"/>
           </a:p>
@@ -1013,7 +1016,7 @@
           <a:p>
             <a:fld id="{ABA1301C-6566-064A-B087-31BADF3C1B3F}" type="datetimeFigureOut">
               <a:rPr lang="en-US" smtClean="0"/>
-              <a:t>5/11/21</a:t>
+              <a:t>5/23/21</a:t>
             </a:fld>
             <a:endParaRPr lang="en-US"/>
           </a:p>
@@ -1245,7 +1248,7 @@
           <a:p>
             <a:fld id="{ABA1301C-6566-064A-B087-31BADF3C1B3F}" type="datetimeFigureOut">
               <a:rPr lang="en-US" smtClean="0"/>
-              <a:t>5/11/21</a:t>
+              <a:t>5/23/21</a:t>
             </a:fld>
             <a:endParaRPr lang="en-US"/>
           </a:p>
@@ -1612,7 +1615,7 @@
           <a:p>
             <a:fld id="{ABA1301C-6566-064A-B087-31BADF3C1B3F}" type="datetimeFigureOut">
               <a:rPr lang="en-US" smtClean="0"/>
-              <a:t>5/11/21</a:t>
+              <a:t>5/23/21</a:t>
             </a:fld>
             <a:endParaRPr lang="en-US"/>
           </a:p>
@@ -1730,7 +1733,7 @@
           <a:p>
             <a:fld id="{ABA1301C-6566-064A-B087-31BADF3C1B3F}" type="datetimeFigureOut">
               <a:rPr lang="en-US" smtClean="0"/>
-              <a:t>5/11/21</a:t>
+              <a:t>5/23/21</a:t>
             </a:fld>
             <a:endParaRPr lang="en-US"/>
           </a:p>
@@ -1825,7 +1828,7 @@
           <a:p>
             <a:fld id="{ABA1301C-6566-064A-B087-31BADF3C1B3F}" type="datetimeFigureOut">
               <a:rPr lang="en-US" smtClean="0"/>
-              <a:t>5/11/21</a:t>
+              <a:t>5/23/21</a:t>
             </a:fld>
             <a:endParaRPr lang="en-US"/>
           </a:p>
@@ -2102,7 +2105,7 @@
           <a:p>
             <a:fld id="{ABA1301C-6566-064A-B087-31BADF3C1B3F}" type="datetimeFigureOut">
               <a:rPr lang="en-US" smtClean="0"/>
-              <a:t>5/11/21</a:t>
+              <a:t>5/23/21</a:t>
             </a:fld>
             <a:endParaRPr lang="en-US"/>
           </a:p>
@@ -2359,7 +2362,7 @@
           <a:p>
             <a:fld id="{ABA1301C-6566-064A-B087-31BADF3C1B3F}" type="datetimeFigureOut">
               <a:rPr lang="en-US" smtClean="0"/>
-              <a:t>5/11/21</a:t>
+              <a:t>5/23/21</a:t>
             </a:fld>
             <a:endParaRPr lang="en-US"/>
           </a:p>
@@ -2572,7 +2575,7 @@
           <a:p>
             <a:fld id="{ABA1301C-6566-064A-B087-31BADF3C1B3F}" type="datetimeFigureOut">
               <a:rPr lang="en-US" smtClean="0"/>
-              <a:t>5/11/21</a:t>
+              <a:t>5/23/21</a:t>
             </a:fld>
             <a:endParaRPr lang="en-US"/>
           </a:p>
@@ -3225,6 +3228,747 @@
 </p:sld>
 </file>
 
+<file path=ppt/slides/slide10.xml><?xml version="1.0" encoding="utf-8"?>
+<p:sld xmlns:a="http://schemas.openxmlformats.org/drawingml/2006/main" xmlns:r="http://schemas.openxmlformats.org/officeDocument/2006/relationships" xmlns:p="http://schemas.openxmlformats.org/presentationml/2006/main">
+  <p:cSld>
+    <p:spTree>
+      <p:nvGrpSpPr>
+        <p:cNvPr id="1" name=""/>
+        <p:cNvGrpSpPr/>
+        <p:nvPr/>
+      </p:nvGrpSpPr>
+      <p:grpSpPr>
+        <a:xfrm>
+          <a:off x="0" y="0"/>
+          <a:ext cx="0" cy="0"/>
+          <a:chOff x="0" y="0"/>
+          <a:chExt cx="0" cy="0"/>
+        </a:xfrm>
+      </p:grpSpPr>
+      <p:sp>
+        <p:nvSpPr>
+          <p:cNvPr id="13" name="TextBox 12">
+            <a:extLst>
+              <a:ext uri="{FF2B5EF4-FFF2-40B4-BE49-F238E27FC236}">
+                <a16:creationId xmlns:a16="http://schemas.microsoft.com/office/drawing/2014/main" id="{545D6DB8-987C-6D48-AF9D-A317C2AE5000}"/>
+              </a:ext>
+            </a:extLst>
+          </p:cNvPr>
+          <p:cNvSpPr txBox="1"/>
+          <p:nvPr/>
+        </p:nvSpPr>
+        <p:spPr>
+          <a:xfrm>
+            <a:off x="1277859" y="1155231"/>
+            <a:ext cx="509685" cy="276999"/>
+          </a:xfrm>
+          <a:prstGeom prst="rect">
+            <a:avLst/>
+          </a:prstGeom>
+          <a:noFill/>
+        </p:spPr>
+        <p:txBody>
+          <a:bodyPr wrap="square" rtlCol="0">
+            <a:spAutoFit/>
+          </a:bodyPr>
+          <a:lstStyle/>
+          <a:p>
+            <a:pPr algn="ctr"/>
+            <a:r>
+              <a:rPr lang="en-US" sz="1200" dirty="0"/>
+              <a:t>Start</a:t>
+            </a:r>
+          </a:p>
+        </p:txBody>
+      </p:sp>
+      <p:sp>
+        <p:nvSpPr>
+          <p:cNvPr id="18" name="TextBox 17">
+            <a:extLst>
+              <a:ext uri="{FF2B5EF4-FFF2-40B4-BE49-F238E27FC236}">
+                <a16:creationId xmlns:a16="http://schemas.microsoft.com/office/drawing/2014/main" id="{C0AF133D-0416-FD42-9A30-50D3FDA1DD68}"/>
+              </a:ext>
+            </a:extLst>
+          </p:cNvPr>
+          <p:cNvSpPr txBox="1"/>
+          <p:nvPr/>
+        </p:nvSpPr>
+        <p:spPr>
+          <a:xfrm>
+            <a:off x="805285" y="475944"/>
+            <a:ext cx="1454835" cy="313932"/>
+          </a:xfrm>
+          <a:prstGeom prst="rect">
+            <a:avLst/>
+          </a:prstGeom>
+          <a:ln>
+            <a:noFill/>
+          </a:ln>
+        </p:spPr>
+        <p:style>
+          <a:lnRef idx="2">
+            <a:schemeClr val="accent1"/>
+          </a:lnRef>
+          <a:fillRef idx="1">
+            <a:schemeClr val="lt1"/>
+          </a:fillRef>
+          <a:effectRef idx="0">
+            <a:schemeClr val="accent1"/>
+          </a:effectRef>
+          <a:fontRef idx="minor">
+            <a:schemeClr val="dk1"/>
+          </a:fontRef>
+        </p:style>
+        <p:txBody>
+          <a:bodyPr wrap="square" rtlCol="0">
+            <a:spAutoFit/>
+          </a:bodyPr>
+          <a:lstStyle/>
+          <a:p>
+            <a:pPr algn="ctr"/>
+            <a:r>
+              <a:rPr lang="en-US" sz="1440" dirty="0"/>
+              <a:t>Main Process (</a:t>
+            </a:r>
+            <a:r>
+              <a:rPr lang="en-US" sz="1440" dirty="0" err="1"/>
+              <a:t>js</a:t>
+            </a:r>
+            <a:r>
+              <a:rPr lang="en-US" sz="1440" dirty="0"/>
+              <a:t>)</a:t>
+            </a:r>
+          </a:p>
+        </p:txBody>
+      </p:sp>
+      <p:sp>
+        <p:nvSpPr>
+          <p:cNvPr id="19" name="TextBox 18">
+            <a:extLst>
+              <a:ext uri="{FF2B5EF4-FFF2-40B4-BE49-F238E27FC236}">
+                <a16:creationId xmlns:a16="http://schemas.microsoft.com/office/drawing/2014/main" id="{AC9B9D1F-5738-7E4E-B88E-49E3CAB72552}"/>
+              </a:ext>
+            </a:extLst>
+          </p:cNvPr>
+          <p:cNvSpPr txBox="1"/>
+          <p:nvPr/>
+        </p:nvSpPr>
+        <p:spPr>
+          <a:xfrm>
+            <a:off x="2733729" y="475944"/>
+            <a:ext cx="1632748" cy="313932"/>
+          </a:xfrm>
+          <a:prstGeom prst="rect">
+            <a:avLst/>
+          </a:prstGeom>
+          <a:ln>
+            <a:noFill/>
+          </a:ln>
+        </p:spPr>
+        <p:style>
+          <a:lnRef idx="2">
+            <a:schemeClr val="accent1"/>
+          </a:lnRef>
+          <a:fillRef idx="1">
+            <a:schemeClr val="lt1"/>
+          </a:fillRef>
+          <a:effectRef idx="0">
+            <a:schemeClr val="accent1"/>
+          </a:effectRef>
+          <a:fontRef idx="minor">
+            <a:schemeClr val="dk1"/>
+          </a:fontRef>
+        </p:style>
+        <p:txBody>
+          <a:bodyPr wrap="square" rtlCol="0">
+            <a:spAutoFit/>
+          </a:bodyPr>
+          <a:lstStyle/>
+          <a:p>
+            <a:pPr algn="ctr"/>
+            <a:r>
+              <a:rPr lang="en-US" sz="1440" dirty="0"/>
+              <a:t>Native Layer (C++)</a:t>
+            </a:r>
+          </a:p>
+        </p:txBody>
+      </p:sp>
+      <p:cxnSp>
+        <p:nvCxnSpPr>
+          <p:cNvPr id="21" name="Straight Connector 20">
+            <a:extLst>
+              <a:ext uri="{FF2B5EF4-FFF2-40B4-BE49-F238E27FC236}">
+                <a16:creationId xmlns:a16="http://schemas.microsoft.com/office/drawing/2014/main" id="{5D573CB1-B38F-5048-AF0E-900C21907E3A}"/>
+              </a:ext>
+            </a:extLst>
+          </p:cNvPr>
+          <p:cNvCxnSpPr>
+            <a:cxnSpLocks/>
+          </p:cNvCxnSpPr>
+          <p:nvPr/>
+        </p:nvCxnSpPr>
+        <p:spPr>
+          <a:xfrm>
+            <a:off x="2362546" y="915008"/>
+            <a:ext cx="0" cy="2388909"/>
+          </a:xfrm>
+          <a:prstGeom prst="line">
+            <a:avLst/>
+          </a:prstGeom>
+          <a:ln w="25400">
+            <a:solidFill>
+              <a:schemeClr val="tx1">
+                <a:lumMod val="50000"/>
+                <a:lumOff val="50000"/>
+              </a:schemeClr>
+            </a:solidFill>
+            <a:prstDash val="sysDash"/>
+          </a:ln>
+        </p:spPr>
+        <p:style>
+          <a:lnRef idx="1">
+            <a:schemeClr val="accent1"/>
+          </a:lnRef>
+          <a:fillRef idx="0">
+            <a:schemeClr val="accent1"/>
+          </a:fillRef>
+          <a:effectRef idx="0">
+            <a:schemeClr val="accent1"/>
+          </a:effectRef>
+          <a:fontRef idx="minor">
+            <a:schemeClr val="tx1"/>
+          </a:fontRef>
+        </p:style>
+      </p:cxnSp>
+      <p:sp>
+        <p:nvSpPr>
+          <p:cNvPr id="25" name="TextBox 24">
+            <a:extLst>
+              <a:ext uri="{FF2B5EF4-FFF2-40B4-BE49-F238E27FC236}">
+                <a16:creationId xmlns:a16="http://schemas.microsoft.com/office/drawing/2014/main" id="{9F11024C-DDCC-D746-8AF3-9E492BA07ABB}"/>
+              </a:ext>
+            </a:extLst>
+          </p:cNvPr>
+          <p:cNvSpPr txBox="1"/>
+          <p:nvPr/>
+        </p:nvSpPr>
+        <p:spPr>
+          <a:xfrm>
+            <a:off x="2756119" y="1155231"/>
+            <a:ext cx="1587968" cy="276999"/>
+          </a:xfrm>
+          <a:prstGeom prst="rect">
+            <a:avLst/>
+          </a:prstGeom>
+          <a:noFill/>
+        </p:spPr>
+        <p:txBody>
+          <a:bodyPr wrap="square" rtlCol="0">
+            <a:spAutoFit/>
+          </a:bodyPr>
+          <a:lstStyle/>
+          <a:p>
+            <a:pPr algn="ctr"/>
+            <a:r>
+              <a:rPr lang="en-US" sz="1200" dirty="0" err="1"/>
+              <a:t>openPreviewChannel</a:t>
+            </a:r>
+            <a:r>
+              <a:rPr lang="en-US" sz="1200" dirty="0"/>
+              <a:t>()</a:t>
+            </a:r>
+          </a:p>
+        </p:txBody>
+      </p:sp>
+      <p:sp>
+        <p:nvSpPr>
+          <p:cNvPr id="26" name="TextBox 25">
+            <a:extLst>
+              <a:ext uri="{FF2B5EF4-FFF2-40B4-BE49-F238E27FC236}">
+                <a16:creationId xmlns:a16="http://schemas.microsoft.com/office/drawing/2014/main" id="{4DFCAF0E-88B7-9040-9AFD-FDEEB4BE6796}"/>
+              </a:ext>
+            </a:extLst>
+          </p:cNvPr>
+          <p:cNvSpPr txBox="1"/>
+          <p:nvPr/>
+        </p:nvSpPr>
+        <p:spPr>
+          <a:xfrm>
+            <a:off x="2788373" y="2274584"/>
+            <a:ext cx="1521231" cy="276999"/>
+          </a:xfrm>
+          <a:prstGeom prst="rect">
+            <a:avLst/>
+          </a:prstGeom>
+          <a:noFill/>
+        </p:spPr>
+        <p:txBody>
+          <a:bodyPr wrap="square" rtlCol="0">
+            <a:spAutoFit/>
+          </a:bodyPr>
+          <a:lstStyle/>
+          <a:p>
+            <a:pPr algn="ctr"/>
+            <a:r>
+              <a:rPr lang="en-US" sz="1200" dirty="0" err="1"/>
+              <a:t>previewFrameQueue</a:t>
+            </a:r>
+            <a:endParaRPr lang="en-US" sz="1200" dirty="0"/>
+          </a:p>
+        </p:txBody>
+      </p:sp>
+      <p:sp>
+        <p:nvSpPr>
+          <p:cNvPr id="30" name="TextBox 29">
+            <a:extLst>
+              <a:ext uri="{FF2B5EF4-FFF2-40B4-BE49-F238E27FC236}">
+                <a16:creationId xmlns:a16="http://schemas.microsoft.com/office/drawing/2014/main" id="{A5D25D21-2DA4-474A-B55A-04E95F6229B4}"/>
+              </a:ext>
+            </a:extLst>
+          </p:cNvPr>
+          <p:cNvSpPr txBox="1"/>
+          <p:nvPr/>
+        </p:nvSpPr>
+        <p:spPr>
+          <a:xfrm>
+            <a:off x="2570598" y="1699693"/>
+            <a:ext cx="1956776" cy="313932"/>
+          </a:xfrm>
+          <a:prstGeom prst="rect">
+            <a:avLst/>
+          </a:prstGeom>
+          <a:ln>
+            <a:noFill/>
+          </a:ln>
+        </p:spPr>
+        <p:style>
+          <a:lnRef idx="2">
+            <a:schemeClr val="accent1"/>
+          </a:lnRef>
+          <a:fillRef idx="1">
+            <a:schemeClr val="lt1"/>
+          </a:fillRef>
+          <a:effectRef idx="0">
+            <a:schemeClr val="accent1"/>
+          </a:effectRef>
+          <a:fontRef idx="minor">
+            <a:schemeClr val="dk1"/>
+          </a:fontRef>
+        </p:style>
+        <p:txBody>
+          <a:bodyPr wrap="square" rtlCol="0">
+            <a:spAutoFit/>
+          </a:bodyPr>
+          <a:lstStyle/>
+          <a:p>
+            <a:pPr algn="ctr"/>
+            <a:r>
+              <a:rPr lang="en-US" sz="1440" dirty="0" err="1"/>
+              <a:t>PreviewReceiveThread</a:t>
+            </a:r>
+            <a:endParaRPr lang="en-US" sz="1440" dirty="0"/>
+          </a:p>
+        </p:txBody>
+      </p:sp>
+      <p:cxnSp>
+        <p:nvCxnSpPr>
+          <p:cNvPr id="45" name="Straight Arrow Connector 44">
+            <a:extLst>
+              <a:ext uri="{FF2B5EF4-FFF2-40B4-BE49-F238E27FC236}">
+                <a16:creationId xmlns:a16="http://schemas.microsoft.com/office/drawing/2014/main" id="{8ADAAEC3-DB0F-F042-B0B5-2F6A7C25B224}"/>
+              </a:ext>
+            </a:extLst>
+          </p:cNvPr>
+          <p:cNvCxnSpPr>
+            <a:cxnSpLocks/>
+            <a:stCxn id="75" idx="1"/>
+            <a:endCxn id="30" idx="3"/>
+          </p:cNvCxnSpPr>
+          <p:nvPr/>
+        </p:nvCxnSpPr>
+        <p:spPr>
+          <a:xfrm flipH="1">
+            <a:off x="4527374" y="1856659"/>
+            <a:ext cx="353467" cy="0"/>
+          </a:xfrm>
+          <a:prstGeom prst="straightConnector1">
+            <a:avLst/>
+          </a:prstGeom>
+          <a:ln>
+            <a:tailEnd type="triangle"/>
+          </a:ln>
+        </p:spPr>
+        <p:style>
+          <a:lnRef idx="1">
+            <a:schemeClr val="accent1"/>
+          </a:lnRef>
+          <a:fillRef idx="0">
+            <a:schemeClr val="accent1"/>
+          </a:fillRef>
+          <a:effectRef idx="0">
+            <a:schemeClr val="accent1"/>
+          </a:effectRef>
+          <a:fontRef idx="minor">
+            <a:schemeClr val="tx1"/>
+          </a:fontRef>
+        </p:style>
+      </p:cxnSp>
+      <p:cxnSp>
+        <p:nvCxnSpPr>
+          <p:cNvPr id="55" name="Straight Arrow Connector 54">
+            <a:extLst>
+              <a:ext uri="{FF2B5EF4-FFF2-40B4-BE49-F238E27FC236}">
+                <a16:creationId xmlns:a16="http://schemas.microsoft.com/office/drawing/2014/main" id="{A2BCD73A-02AB-6C4A-842B-F558ACAAA0F8}"/>
+              </a:ext>
+            </a:extLst>
+          </p:cNvPr>
+          <p:cNvCxnSpPr>
+            <a:cxnSpLocks/>
+            <a:stCxn id="25" idx="2"/>
+            <a:endCxn id="30" idx="0"/>
+          </p:cNvCxnSpPr>
+          <p:nvPr/>
+        </p:nvCxnSpPr>
+        <p:spPr>
+          <a:xfrm flipH="1">
+            <a:off x="3548986" y="1432230"/>
+            <a:ext cx="1117" cy="267463"/>
+          </a:xfrm>
+          <a:prstGeom prst="straightConnector1">
+            <a:avLst/>
+          </a:prstGeom>
+          <a:ln>
+            <a:tailEnd type="triangle"/>
+          </a:ln>
+        </p:spPr>
+        <p:style>
+          <a:lnRef idx="1">
+            <a:schemeClr val="accent1"/>
+          </a:lnRef>
+          <a:fillRef idx="0">
+            <a:schemeClr val="accent1"/>
+          </a:fillRef>
+          <a:effectRef idx="0">
+            <a:schemeClr val="accent1"/>
+          </a:effectRef>
+          <a:fontRef idx="minor">
+            <a:schemeClr val="tx1"/>
+          </a:fontRef>
+        </p:style>
+      </p:cxnSp>
+      <p:cxnSp>
+        <p:nvCxnSpPr>
+          <p:cNvPr id="67" name="Straight Arrow Connector 66">
+            <a:extLst>
+              <a:ext uri="{FF2B5EF4-FFF2-40B4-BE49-F238E27FC236}">
+                <a16:creationId xmlns:a16="http://schemas.microsoft.com/office/drawing/2014/main" id="{B0C5D50F-1BD8-D94E-B7F3-9C2AC43096D1}"/>
+              </a:ext>
+            </a:extLst>
+          </p:cNvPr>
+          <p:cNvCxnSpPr>
+            <a:cxnSpLocks/>
+            <a:stCxn id="13" idx="3"/>
+            <a:endCxn id="25" idx="1"/>
+          </p:cNvCxnSpPr>
+          <p:nvPr/>
+        </p:nvCxnSpPr>
+        <p:spPr>
+          <a:xfrm>
+            <a:off x="1787544" y="1293731"/>
+            <a:ext cx="968575" cy="0"/>
+          </a:xfrm>
+          <a:prstGeom prst="straightConnector1">
+            <a:avLst/>
+          </a:prstGeom>
+          <a:ln>
+            <a:tailEnd type="triangle"/>
+          </a:ln>
+        </p:spPr>
+        <p:style>
+          <a:lnRef idx="1">
+            <a:schemeClr val="accent1"/>
+          </a:lnRef>
+          <a:fillRef idx="0">
+            <a:schemeClr val="accent1"/>
+          </a:fillRef>
+          <a:effectRef idx="0">
+            <a:schemeClr val="accent1"/>
+          </a:effectRef>
+          <a:fontRef idx="minor">
+            <a:schemeClr val="tx1"/>
+          </a:fontRef>
+        </p:style>
+      </p:cxnSp>
+      <p:sp>
+        <p:nvSpPr>
+          <p:cNvPr id="75" name="TextBox 74">
+            <a:extLst>
+              <a:ext uri="{FF2B5EF4-FFF2-40B4-BE49-F238E27FC236}">
+                <a16:creationId xmlns:a16="http://schemas.microsoft.com/office/drawing/2014/main" id="{EEB299F4-FB25-7546-A4FA-4BFC3B7FE0F0}"/>
+              </a:ext>
+            </a:extLst>
+          </p:cNvPr>
+          <p:cNvSpPr txBox="1"/>
+          <p:nvPr/>
+        </p:nvSpPr>
+        <p:spPr>
+          <a:xfrm>
+            <a:off x="4880841" y="1699693"/>
+            <a:ext cx="1249842" cy="313932"/>
+          </a:xfrm>
+          <a:prstGeom prst="rect">
+            <a:avLst/>
+          </a:prstGeom>
+          <a:ln>
+            <a:noFill/>
+          </a:ln>
+        </p:spPr>
+        <p:style>
+          <a:lnRef idx="2">
+            <a:schemeClr val="accent1"/>
+          </a:lnRef>
+          <a:fillRef idx="1">
+            <a:schemeClr val="lt1"/>
+          </a:fillRef>
+          <a:effectRef idx="0">
+            <a:schemeClr val="accent1"/>
+          </a:effectRef>
+          <a:fontRef idx="minor">
+            <a:schemeClr val="dk1"/>
+          </a:fontRef>
+        </p:style>
+        <p:txBody>
+          <a:bodyPr wrap="square" rtlCol="0">
+            <a:spAutoFit/>
+          </a:bodyPr>
+          <a:lstStyle/>
+          <a:p>
+            <a:pPr algn="ctr"/>
+            <a:r>
+              <a:rPr lang="en-US" sz="1440" dirty="0"/>
+              <a:t>[named pipe]</a:t>
+            </a:r>
+          </a:p>
+        </p:txBody>
+      </p:sp>
+      <p:cxnSp>
+        <p:nvCxnSpPr>
+          <p:cNvPr id="42" name="Straight Arrow Connector 41">
+            <a:extLst>
+              <a:ext uri="{FF2B5EF4-FFF2-40B4-BE49-F238E27FC236}">
+                <a16:creationId xmlns:a16="http://schemas.microsoft.com/office/drawing/2014/main" id="{D203E293-0A61-724D-9D3E-F3EBA4D0213C}"/>
+              </a:ext>
+            </a:extLst>
+          </p:cNvPr>
+          <p:cNvCxnSpPr>
+            <a:cxnSpLocks/>
+            <a:stCxn id="30" idx="2"/>
+            <a:endCxn id="26" idx="0"/>
+          </p:cNvCxnSpPr>
+          <p:nvPr/>
+        </p:nvCxnSpPr>
+        <p:spPr>
+          <a:xfrm>
+            <a:off x="3548986" y="2013625"/>
+            <a:ext cx="3" cy="260959"/>
+          </a:xfrm>
+          <a:prstGeom prst="straightConnector1">
+            <a:avLst/>
+          </a:prstGeom>
+          <a:ln>
+            <a:tailEnd type="triangle"/>
+          </a:ln>
+        </p:spPr>
+        <p:style>
+          <a:lnRef idx="1">
+            <a:schemeClr val="accent1"/>
+          </a:lnRef>
+          <a:fillRef idx="0">
+            <a:schemeClr val="accent1"/>
+          </a:fillRef>
+          <a:effectRef idx="0">
+            <a:schemeClr val="accent1"/>
+          </a:effectRef>
+          <a:fontRef idx="minor">
+            <a:schemeClr val="tx1"/>
+          </a:fontRef>
+        </p:style>
+      </p:cxnSp>
+      <p:cxnSp>
+        <p:nvCxnSpPr>
+          <p:cNvPr id="70" name="Straight Arrow Connector 69">
+            <a:extLst>
+              <a:ext uri="{FF2B5EF4-FFF2-40B4-BE49-F238E27FC236}">
+                <a16:creationId xmlns:a16="http://schemas.microsoft.com/office/drawing/2014/main" id="{0863BE30-3CBA-6543-928C-E5288AF7E1AB}"/>
+              </a:ext>
+            </a:extLst>
+          </p:cNvPr>
+          <p:cNvCxnSpPr>
+            <a:cxnSpLocks/>
+            <a:stCxn id="26" idx="2"/>
+            <a:endCxn id="46" idx="0"/>
+          </p:cNvCxnSpPr>
+          <p:nvPr/>
+        </p:nvCxnSpPr>
+        <p:spPr>
+          <a:xfrm flipH="1">
+            <a:off x="3548986" y="2551583"/>
+            <a:ext cx="3" cy="310158"/>
+          </a:xfrm>
+          <a:prstGeom prst="straightConnector1">
+            <a:avLst/>
+          </a:prstGeom>
+          <a:ln>
+            <a:tailEnd type="triangle"/>
+          </a:ln>
+        </p:spPr>
+        <p:style>
+          <a:lnRef idx="1">
+            <a:schemeClr val="accent1"/>
+          </a:lnRef>
+          <a:fillRef idx="0">
+            <a:schemeClr val="accent1"/>
+          </a:fillRef>
+          <a:effectRef idx="0">
+            <a:schemeClr val="accent1"/>
+          </a:effectRef>
+          <a:fontRef idx="minor">
+            <a:schemeClr val="tx1"/>
+          </a:fontRef>
+        </p:style>
+      </p:cxnSp>
+      <p:sp>
+        <p:nvSpPr>
+          <p:cNvPr id="46" name="TextBox 45">
+            <a:extLst>
+              <a:ext uri="{FF2B5EF4-FFF2-40B4-BE49-F238E27FC236}">
+                <a16:creationId xmlns:a16="http://schemas.microsoft.com/office/drawing/2014/main" id="{CF857422-6201-064C-82D0-9209D4163F46}"/>
+              </a:ext>
+            </a:extLst>
+          </p:cNvPr>
+          <p:cNvSpPr txBox="1"/>
+          <p:nvPr/>
+        </p:nvSpPr>
+        <p:spPr>
+          <a:xfrm>
+            <a:off x="2947283" y="2861741"/>
+            <a:ext cx="1203406" cy="276999"/>
+          </a:xfrm>
+          <a:prstGeom prst="rect">
+            <a:avLst/>
+          </a:prstGeom>
+          <a:noFill/>
+        </p:spPr>
+        <p:txBody>
+          <a:bodyPr wrap="square" rtlCol="0">
+            <a:spAutoFit/>
+          </a:bodyPr>
+          <a:lstStyle/>
+          <a:p>
+            <a:pPr algn="ctr"/>
+            <a:r>
+              <a:rPr lang="en-US" sz="1200" dirty="0" err="1"/>
+              <a:t>getNextFrame</a:t>
+            </a:r>
+            <a:r>
+              <a:rPr lang="en-US" sz="1200" dirty="0"/>
+              <a:t>()</a:t>
+            </a:r>
+          </a:p>
+        </p:txBody>
+      </p:sp>
+      <p:sp>
+        <p:nvSpPr>
+          <p:cNvPr id="50" name="TextBox 49">
+            <a:extLst>
+              <a:ext uri="{FF2B5EF4-FFF2-40B4-BE49-F238E27FC236}">
+                <a16:creationId xmlns:a16="http://schemas.microsoft.com/office/drawing/2014/main" id="{0C646D3D-94E6-4048-B79F-6C57629B6983}"/>
+              </a:ext>
+            </a:extLst>
+          </p:cNvPr>
+          <p:cNvSpPr txBox="1"/>
+          <p:nvPr/>
+        </p:nvSpPr>
+        <p:spPr>
+          <a:xfrm>
+            <a:off x="1041571" y="2769407"/>
+            <a:ext cx="982259" cy="461665"/>
+          </a:xfrm>
+          <a:prstGeom prst="rect">
+            <a:avLst/>
+          </a:prstGeom>
+          <a:noFill/>
+        </p:spPr>
+        <p:txBody>
+          <a:bodyPr wrap="square" rtlCol="0">
+            <a:spAutoFit/>
+          </a:bodyPr>
+          <a:lstStyle/>
+          <a:p>
+            <a:pPr algn="ctr"/>
+            <a:r>
+              <a:rPr lang="en-US" sz="1200" dirty="0"/>
+              <a:t>Display next frame</a:t>
+            </a:r>
+          </a:p>
+        </p:txBody>
+      </p:sp>
+      <p:cxnSp>
+        <p:nvCxnSpPr>
+          <p:cNvPr id="36" name="Straight Arrow Connector 35">
+            <a:extLst>
+              <a:ext uri="{FF2B5EF4-FFF2-40B4-BE49-F238E27FC236}">
+                <a16:creationId xmlns:a16="http://schemas.microsoft.com/office/drawing/2014/main" id="{25E0E7C7-0E81-2E40-B80A-1B808CB10E66}"/>
+              </a:ext>
+            </a:extLst>
+          </p:cNvPr>
+          <p:cNvCxnSpPr>
+            <a:cxnSpLocks/>
+            <a:stCxn id="46" idx="1"/>
+            <a:endCxn id="50" idx="3"/>
+          </p:cNvCxnSpPr>
+          <p:nvPr/>
+        </p:nvCxnSpPr>
+        <p:spPr>
+          <a:xfrm flipH="1" flipV="1">
+            <a:off x="2023830" y="3000240"/>
+            <a:ext cx="923453" cy="1"/>
+          </a:xfrm>
+          <a:prstGeom prst="straightConnector1">
+            <a:avLst/>
+          </a:prstGeom>
+          <a:ln>
+            <a:tailEnd type="triangle"/>
+          </a:ln>
+        </p:spPr>
+        <p:style>
+          <a:lnRef idx="1">
+            <a:schemeClr val="accent1"/>
+          </a:lnRef>
+          <a:fillRef idx="0">
+            <a:schemeClr val="accent1"/>
+          </a:fillRef>
+          <a:effectRef idx="0">
+            <a:schemeClr val="accent1"/>
+          </a:effectRef>
+          <a:fontRef idx="minor">
+            <a:schemeClr val="tx1"/>
+          </a:fontRef>
+        </p:style>
+      </p:cxnSp>
+    </p:spTree>
+    <p:extLst>
+      <p:ext uri="{BB962C8B-B14F-4D97-AF65-F5344CB8AC3E}">
+        <p14:creationId xmlns:p14="http://schemas.microsoft.com/office/powerpoint/2010/main" val="3131964681"/>
+      </p:ext>
+    </p:extLst>
+  </p:cSld>
+  <p:clrMapOvr>
+    <a:masterClrMapping/>
+  </p:clrMapOvr>
+</p:sld>
+</file>
+
 <file path=ppt/slides/slide2.xml><?xml version="1.0" encoding="utf-8"?>
 <p:sld xmlns:a="http://schemas.openxmlformats.org/drawingml/2006/main" xmlns:r="http://schemas.openxmlformats.org/officeDocument/2006/relationships" xmlns:p="http://schemas.openxmlformats.org/presentationml/2006/main">
   <p:cSld>
@@ -6511,6 +7255,2492 @@
     <p:extLst>
       <p:ext uri="{BB962C8B-B14F-4D97-AF65-F5344CB8AC3E}">
         <p14:creationId xmlns:p14="http://schemas.microsoft.com/office/powerpoint/2010/main" val="110373058"/>
+      </p:ext>
+    </p:extLst>
+  </p:cSld>
+  <p:clrMapOvr>
+    <a:masterClrMapping/>
+  </p:clrMapOvr>
+</p:sld>
+</file>
+
+<file path=ppt/slides/slide8.xml><?xml version="1.0" encoding="utf-8"?>
+<p:sld xmlns:a="http://schemas.openxmlformats.org/drawingml/2006/main" xmlns:r="http://schemas.openxmlformats.org/officeDocument/2006/relationships" xmlns:p="http://schemas.openxmlformats.org/presentationml/2006/main">
+  <p:cSld>
+    <p:spTree>
+      <p:nvGrpSpPr>
+        <p:cNvPr id="1" name=""/>
+        <p:cNvGrpSpPr/>
+        <p:nvPr/>
+      </p:nvGrpSpPr>
+      <p:grpSpPr>
+        <a:xfrm>
+          <a:off x="0" y="0"/>
+          <a:ext cx="0" cy="0"/>
+          <a:chOff x="0" y="0"/>
+          <a:chExt cx="0" cy="0"/>
+        </a:xfrm>
+      </p:grpSpPr>
+      <p:sp>
+        <p:nvSpPr>
+          <p:cNvPr id="13" name="TextBox 12">
+            <a:extLst>
+              <a:ext uri="{FF2B5EF4-FFF2-40B4-BE49-F238E27FC236}">
+                <a16:creationId xmlns:a16="http://schemas.microsoft.com/office/drawing/2014/main" id="{545D6DB8-987C-6D48-AF9D-A317C2AE5000}"/>
+              </a:ext>
+            </a:extLst>
+          </p:cNvPr>
+          <p:cNvSpPr txBox="1"/>
+          <p:nvPr/>
+        </p:nvSpPr>
+        <p:spPr>
+          <a:xfrm>
+            <a:off x="1058877" y="1155232"/>
+            <a:ext cx="947650" cy="276999"/>
+          </a:xfrm>
+          <a:prstGeom prst="rect">
+            <a:avLst/>
+          </a:prstGeom>
+          <a:noFill/>
+        </p:spPr>
+        <p:txBody>
+          <a:bodyPr wrap="square" rtlCol="0">
+            <a:spAutoFit/>
+          </a:bodyPr>
+          <a:lstStyle/>
+          <a:p>
+            <a:pPr algn="ctr"/>
+            <a:r>
+              <a:rPr lang="en-US" sz="1200" dirty="0" err="1"/>
+              <a:t>nativeImage</a:t>
+            </a:r>
+            <a:endParaRPr lang="en-US" sz="1200" dirty="0"/>
+          </a:p>
+        </p:txBody>
+      </p:sp>
+      <p:sp>
+        <p:nvSpPr>
+          <p:cNvPr id="18" name="TextBox 17">
+            <a:extLst>
+              <a:ext uri="{FF2B5EF4-FFF2-40B4-BE49-F238E27FC236}">
+                <a16:creationId xmlns:a16="http://schemas.microsoft.com/office/drawing/2014/main" id="{C0AF133D-0416-FD42-9A30-50D3FDA1DD68}"/>
+              </a:ext>
+            </a:extLst>
+          </p:cNvPr>
+          <p:cNvSpPr txBox="1"/>
+          <p:nvPr/>
+        </p:nvSpPr>
+        <p:spPr>
+          <a:xfrm>
+            <a:off x="805285" y="475944"/>
+            <a:ext cx="1454835" cy="313932"/>
+          </a:xfrm>
+          <a:prstGeom prst="rect">
+            <a:avLst/>
+          </a:prstGeom>
+          <a:ln>
+            <a:noFill/>
+          </a:ln>
+        </p:spPr>
+        <p:style>
+          <a:lnRef idx="2">
+            <a:schemeClr val="accent1"/>
+          </a:lnRef>
+          <a:fillRef idx="1">
+            <a:schemeClr val="lt1"/>
+          </a:fillRef>
+          <a:effectRef idx="0">
+            <a:schemeClr val="accent1"/>
+          </a:effectRef>
+          <a:fontRef idx="minor">
+            <a:schemeClr val="dk1"/>
+          </a:fontRef>
+        </p:style>
+        <p:txBody>
+          <a:bodyPr wrap="square" rtlCol="0">
+            <a:spAutoFit/>
+          </a:bodyPr>
+          <a:lstStyle/>
+          <a:p>
+            <a:pPr algn="ctr"/>
+            <a:r>
+              <a:rPr lang="en-US" sz="1440" dirty="0"/>
+              <a:t>Main Process (</a:t>
+            </a:r>
+            <a:r>
+              <a:rPr lang="en-US" sz="1440" dirty="0" err="1"/>
+              <a:t>js</a:t>
+            </a:r>
+            <a:r>
+              <a:rPr lang="en-US" sz="1440" dirty="0"/>
+              <a:t>)</a:t>
+            </a:r>
+          </a:p>
+        </p:txBody>
+      </p:sp>
+      <p:sp>
+        <p:nvSpPr>
+          <p:cNvPr id="19" name="TextBox 18">
+            <a:extLst>
+              <a:ext uri="{FF2B5EF4-FFF2-40B4-BE49-F238E27FC236}">
+                <a16:creationId xmlns:a16="http://schemas.microsoft.com/office/drawing/2014/main" id="{AC9B9D1F-5738-7E4E-B88E-49E3CAB72552}"/>
+              </a:ext>
+            </a:extLst>
+          </p:cNvPr>
+          <p:cNvSpPr txBox="1"/>
+          <p:nvPr/>
+        </p:nvSpPr>
+        <p:spPr>
+          <a:xfrm>
+            <a:off x="2624076" y="475944"/>
+            <a:ext cx="1632748" cy="313932"/>
+          </a:xfrm>
+          <a:prstGeom prst="rect">
+            <a:avLst/>
+          </a:prstGeom>
+          <a:ln>
+            <a:noFill/>
+          </a:ln>
+        </p:spPr>
+        <p:style>
+          <a:lnRef idx="2">
+            <a:schemeClr val="accent1"/>
+          </a:lnRef>
+          <a:fillRef idx="1">
+            <a:schemeClr val="lt1"/>
+          </a:fillRef>
+          <a:effectRef idx="0">
+            <a:schemeClr val="accent1"/>
+          </a:effectRef>
+          <a:fontRef idx="minor">
+            <a:schemeClr val="dk1"/>
+          </a:fontRef>
+        </p:style>
+        <p:txBody>
+          <a:bodyPr wrap="square" rtlCol="0">
+            <a:spAutoFit/>
+          </a:bodyPr>
+          <a:lstStyle/>
+          <a:p>
+            <a:pPr algn="ctr"/>
+            <a:r>
+              <a:rPr lang="en-US" sz="1440" dirty="0"/>
+              <a:t>Native Layer (C++)</a:t>
+            </a:r>
+          </a:p>
+        </p:txBody>
+      </p:sp>
+      <p:cxnSp>
+        <p:nvCxnSpPr>
+          <p:cNvPr id="21" name="Straight Connector 20">
+            <a:extLst>
+              <a:ext uri="{FF2B5EF4-FFF2-40B4-BE49-F238E27FC236}">
+                <a16:creationId xmlns:a16="http://schemas.microsoft.com/office/drawing/2014/main" id="{5D573CB1-B38F-5048-AF0E-900C21907E3A}"/>
+              </a:ext>
+            </a:extLst>
+          </p:cNvPr>
+          <p:cNvCxnSpPr>
+            <a:cxnSpLocks/>
+          </p:cNvCxnSpPr>
+          <p:nvPr/>
+        </p:nvCxnSpPr>
+        <p:spPr>
+          <a:xfrm>
+            <a:off x="2362546" y="915008"/>
+            <a:ext cx="0" cy="3777762"/>
+          </a:xfrm>
+          <a:prstGeom prst="line">
+            <a:avLst/>
+          </a:prstGeom>
+          <a:ln w="25400">
+            <a:solidFill>
+              <a:schemeClr val="tx1">
+                <a:lumMod val="50000"/>
+                <a:lumOff val="50000"/>
+              </a:schemeClr>
+            </a:solidFill>
+            <a:prstDash val="sysDash"/>
+          </a:ln>
+        </p:spPr>
+        <p:style>
+          <a:lnRef idx="1">
+            <a:schemeClr val="accent1"/>
+          </a:lnRef>
+          <a:fillRef idx="0">
+            <a:schemeClr val="accent1"/>
+          </a:fillRef>
+          <a:effectRef idx="0">
+            <a:schemeClr val="accent1"/>
+          </a:effectRef>
+          <a:fontRef idx="minor">
+            <a:schemeClr val="tx1"/>
+          </a:fontRef>
+        </p:style>
+      </p:cxnSp>
+      <p:sp>
+        <p:nvSpPr>
+          <p:cNvPr id="22" name="TextBox 21">
+            <a:extLst>
+              <a:ext uri="{FF2B5EF4-FFF2-40B4-BE49-F238E27FC236}">
+                <a16:creationId xmlns:a16="http://schemas.microsoft.com/office/drawing/2014/main" id="{A7E573AF-D8F5-D640-A047-0C1575183B00}"/>
+              </a:ext>
+            </a:extLst>
+          </p:cNvPr>
+          <p:cNvSpPr txBox="1"/>
+          <p:nvPr/>
+        </p:nvSpPr>
+        <p:spPr>
+          <a:xfrm>
+            <a:off x="879595" y="2329603"/>
+            <a:ext cx="1299161" cy="276999"/>
+          </a:xfrm>
+          <a:prstGeom prst="rect">
+            <a:avLst/>
+          </a:prstGeom>
+          <a:noFill/>
+        </p:spPr>
+        <p:txBody>
+          <a:bodyPr wrap="square" rtlCol="0">
+            <a:spAutoFit/>
+          </a:bodyPr>
+          <a:lstStyle/>
+          <a:p>
+            <a:pPr algn="ctr"/>
+            <a:r>
+              <a:rPr lang="en-US" sz="1200" dirty="0" err="1"/>
+              <a:t>pendingFrame</a:t>
+            </a:r>
+            <a:r>
+              <a:rPr lang="en-US" sz="1200" dirty="0"/>
+              <a:t>[]</a:t>
+            </a:r>
+          </a:p>
+        </p:txBody>
+      </p:sp>
+      <p:pic>
+        <p:nvPicPr>
+          <p:cNvPr id="24" name="Graphic 23">
+            <a:extLst>
+              <a:ext uri="{FF2B5EF4-FFF2-40B4-BE49-F238E27FC236}">
+                <a16:creationId xmlns:a16="http://schemas.microsoft.com/office/drawing/2014/main" id="{73C28D99-3367-F64B-8ED3-6B429860239B}"/>
+              </a:ext>
+            </a:extLst>
+          </p:cNvPr>
+          <p:cNvPicPr>
+            <a:picLocks noChangeAspect="1"/>
+          </p:cNvPicPr>
+          <p:nvPr/>
+        </p:nvPicPr>
+        <p:blipFill>
+          <a:blip r:embed="rId2">
+            <a:extLst>
+              <a:ext uri="{96DAC541-7B7A-43D3-8B79-37D633B846F1}">
+                <asvg:svgBlip xmlns:asvg="http://schemas.microsoft.com/office/drawing/2016/SVG/main" r:embed="rId3"/>
+              </a:ext>
+            </a:extLst>
+          </a:blip>
+          <a:stretch>
+            <a:fillRect/>
+          </a:stretch>
+        </p:blipFill>
+        <p:spPr>
+          <a:xfrm>
+            <a:off x="1361152" y="4117465"/>
+            <a:ext cx="343098" cy="343098"/>
+          </a:xfrm>
+          <a:prstGeom prst="rect">
+            <a:avLst/>
+          </a:prstGeom>
+        </p:spPr>
+      </p:pic>
+      <p:sp>
+        <p:nvSpPr>
+          <p:cNvPr id="25" name="TextBox 24">
+            <a:extLst>
+              <a:ext uri="{FF2B5EF4-FFF2-40B4-BE49-F238E27FC236}">
+                <a16:creationId xmlns:a16="http://schemas.microsoft.com/office/drawing/2014/main" id="{9F11024C-DDCC-D746-8AF3-9E492BA07ABB}"/>
+              </a:ext>
+            </a:extLst>
+          </p:cNvPr>
+          <p:cNvSpPr txBox="1"/>
+          <p:nvPr/>
+        </p:nvSpPr>
+        <p:spPr>
+          <a:xfrm>
+            <a:off x="2756119" y="1155231"/>
+            <a:ext cx="1368661" cy="276999"/>
+          </a:xfrm>
+          <a:prstGeom prst="rect">
+            <a:avLst/>
+          </a:prstGeom>
+          <a:noFill/>
+        </p:spPr>
+        <p:txBody>
+          <a:bodyPr wrap="square" rtlCol="0">
+            <a:spAutoFit/>
+          </a:bodyPr>
+          <a:lstStyle/>
+          <a:p>
+            <a:pPr algn="ctr"/>
+            <a:r>
+              <a:rPr lang="en-US" sz="1200" dirty="0" err="1"/>
+              <a:t>queueNextFrame</a:t>
+            </a:r>
+            <a:r>
+              <a:rPr lang="en-US" sz="1200" dirty="0"/>
+              <a:t>()</a:t>
+            </a:r>
+          </a:p>
+        </p:txBody>
+      </p:sp>
+      <p:sp>
+        <p:nvSpPr>
+          <p:cNvPr id="26" name="TextBox 25">
+            <a:extLst>
+              <a:ext uri="{FF2B5EF4-FFF2-40B4-BE49-F238E27FC236}">
+                <a16:creationId xmlns:a16="http://schemas.microsoft.com/office/drawing/2014/main" id="{4DFCAF0E-88B7-9040-9AFD-FDEEB4BE6796}"/>
+              </a:ext>
+            </a:extLst>
+          </p:cNvPr>
+          <p:cNvSpPr txBox="1"/>
+          <p:nvPr/>
+        </p:nvSpPr>
+        <p:spPr>
+          <a:xfrm>
+            <a:off x="4808984" y="1155231"/>
+            <a:ext cx="1521231" cy="276999"/>
+          </a:xfrm>
+          <a:prstGeom prst="rect">
+            <a:avLst/>
+          </a:prstGeom>
+          <a:noFill/>
+        </p:spPr>
+        <p:txBody>
+          <a:bodyPr wrap="square" rtlCol="0">
+            <a:spAutoFit/>
+          </a:bodyPr>
+          <a:lstStyle/>
+          <a:p>
+            <a:pPr algn="ctr"/>
+            <a:r>
+              <a:rPr lang="en-US" sz="1200" dirty="0" err="1"/>
+              <a:t>pendingFrameQueue</a:t>
+            </a:r>
+            <a:endParaRPr lang="en-US" sz="1200" dirty="0"/>
+          </a:p>
+        </p:txBody>
+      </p:sp>
+      <p:sp>
+        <p:nvSpPr>
+          <p:cNvPr id="27" name="TextBox 26">
+            <a:extLst>
+              <a:ext uri="{FF2B5EF4-FFF2-40B4-BE49-F238E27FC236}">
+                <a16:creationId xmlns:a16="http://schemas.microsoft.com/office/drawing/2014/main" id="{C36E99FA-7CCD-0647-8716-5C9BCE272463}"/>
+              </a:ext>
+            </a:extLst>
+          </p:cNvPr>
+          <p:cNvSpPr txBox="1"/>
+          <p:nvPr/>
+        </p:nvSpPr>
+        <p:spPr>
+          <a:xfrm>
+            <a:off x="4713977" y="3503975"/>
+            <a:ext cx="1711236" cy="276999"/>
+          </a:xfrm>
+          <a:prstGeom prst="rect">
+            <a:avLst/>
+          </a:prstGeom>
+          <a:noFill/>
+        </p:spPr>
+        <p:txBody>
+          <a:bodyPr wrap="square" rtlCol="0">
+            <a:spAutoFit/>
+          </a:bodyPr>
+          <a:lstStyle/>
+          <a:p>
+            <a:pPr algn="ctr"/>
+            <a:r>
+              <a:rPr lang="en-US" sz="1200" dirty="0" err="1"/>
+              <a:t>completedFrameQueue</a:t>
+            </a:r>
+            <a:endParaRPr lang="en-US" sz="1200" dirty="0"/>
+          </a:p>
+        </p:txBody>
+      </p:sp>
+      <p:sp>
+        <p:nvSpPr>
+          <p:cNvPr id="28" name="TextBox 27">
+            <a:extLst>
+              <a:ext uri="{FF2B5EF4-FFF2-40B4-BE49-F238E27FC236}">
+                <a16:creationId xmlns:a16="http://schemas.microsoft.com/office/drawing/2014/main" id="{03B6722E-7A61-C94D-859C-81058B25B491}"/>
+              </a:ext>
+            </a:extLst>
+          </p:cNvPr>
+          <p:cNvSpPr txBox="1"/>
+          <p:nvPr/>
+        </p:nvSpPr>
+        <p:spPr>
+          <a:xfrm>
+            <a:off x="2511775" y="3503976"/>
+            <a:ext cx="1857348" cy="276999"/>
+          </a:xfrm>
+          <a:prstGeom prst="rect">
+            <a:avLst/>
+          </a:prstGeom>
+          <a:noFill/>
+        </p:spPr>
+        <p:txBody>
+          <a:bodyPr wrap="square" rtlCol="0">
+            <a:spAutoFit/>
+          </a:bodyPr>
+          <a:lstStyle/>
+          <a:p>
+            <a:pPr algn="ctr"/>
+            <a:r>
+              <a:rPr lang="en-US" sz="1200" dirty="0" err="1"/>
+              <a:t>checkCompletedFrames</a:t>
+            </a:r>
+            <a:r>
+              <a:rPr lang="en-US" sz="1200" dirty="0"/>
+              <a:t>()</a:t>
+            </a:r>
+          </a:p>
+        </p:txBody>
+      </p:sp>
+      <p:sp>
+        <p:nvSpPr>
+          <p:cNvPr id="29" name="TextBox 28">
+            <a:extLst>
+              <a:ext uri="{FF2B5EF4-FFF2-40B4-BE49-F238E27FC236}">
+                <a16:creationId xmlns:a16="http://schemas.microsoft.com/office/drawing/2014/main" id="{12BB0AD0-B251-0F46-B264-5F0DB3DD7E2C}"/>
+              </a:ext>
+            </a:extLst>
+          </p:cNvPr>
+          <p:cNvSpPr txBox="1"/>
+          <p:nvPr/>
+        </p:nvSpPr>
+        <p:spPr>
+          <a:xfrm>
+            <a:off x="4671801" y="2329604"/>
+            <a:ext cx="1795589" cy="276999"/>
+          </a:xfrm>
+          <a:prstGeom prst="rect">
+            <a:avLst/>
+          </a:prstGeom>
+          <a:noFill/>
+        </p:spPr>
+        <p:txBody>
+          <a:bodyPr wrap="square" rtlCol="0">
+            <a:spAutoFit/>
+          </a:bodyPr>
+          <a:lstStyle/>
+          <a:p>
+            <a:pPr algn="ctr"/>
+            <a:r>
+              <a:rPr lang="en-US" sz="1200" dirty="0" err="1"/>
+              <a:t>pendingPreviewQueue</a:t>
+            </a:r>
+            <a:endParaRPr lang="en-US" sz="1200" dirty="0"/>
+          </a:p>
+        </p:txBody>
+      </p:sp>
+      <p:sp>
+        <p:nvSpPr>
+          <p:cNvPr id="30" name="TextBox 29">
+            <a:extLst>
+              <a:ext uri="{FF2B5EF4-FFF2-40B4-BE49-F238E27FC236}">
+                <a16:creationId xmlns:a16="http://schemas.microsoft.com/office/drawing/2014/main" id="{A5D25D21-2DA4-474A-B55A-04E95F6229B4}"/>
+              </a:ext>
+            </a:extLst>
+          </p:cNvPr>
+          <p:cNvSpPr txBox="1"/>
+          <p:nvPr/>
+        </p:nvSpPr>
+        <p:spPr>
+          <a:xfrm>
+            <a:off x="4954319" y="1731245"/>
+            <a:ext cx="1230815" cy="313932"/>
+          </a:xfrm>
+          <a:prstGeom prst="rect">
+            <a:avLst/>
+          </a:prstGeom>
+          <a:ln>
+            <a:noFill/>
+          </a:ln>
+        </p:spPr>
+        <p:style>
+          <a:lnRef idx="2">
+            <a:schemeClr val="accent1"/>
+          </a:lnRef>
+          <a:fillRef idx="1">
+            <a:schemeClr val="lt1"/>
+          </a:fillRef>
+          <a:effectRef idx="0">
+            <a:schemeClr val="accent1"/>
+          </a:effectRef>
+          <a:fontRef idx="minor">
+            <a:schemeClr val="dk1"/>
+          </a:fontRef>
+        </p:style>
+        <p:txBody>
+          <a:bodyPr wrap="square" rtlCol="0">
+            <a:spAutoFit/>
+          </a:bodyPr>
+          <a:lstStyle/>
+          <a:p>
+            <a:pPr algn="ctr"/>
+            <a:r>
+              <a:rPr lang="en-US" sz="1440" dirty="0" err="1"/>
+              <a:t>RecordThread</a:t>
+            </a:r>
+            <a:endParaRPr lang="en-US" sz="1440" dirty="0"/>
+          </a:p>
+        </p:txBody>
+      </p:sp>
+      <p:sp>
+        <p:nvSpPr>
+          <p:cNvPr id="32" name="TextBox 31">
+            <a:extLst>
+              <a:ext uri="{FF2B5EF4-FFF2-40B4-BE49-F238E27FC236}">
+                <a16:creationId xmlns:a16="http://schemas.microsoft.com/office/drawing/2014/main" id="{D46585D1-833E-D34D-B12C-A71F3E95388F}"/>
+              </a:ext>
+            </a:extLst>
+          </p:cNvPr>
+          <p:cNvSpPr txBox="1"/>
+          <p:nvPr/>
+        </p:nvSpPr>
+        <p:spPr>
+          <a:xfrm>
+            <a:off x="6795240" y="1731245"/>
+            <a:ext cx="1012624" cy="313932"/>
+          </a:xfrm>
+          <a:prstGeom prst="rect">
+            <a:avLst/>
+          </a:prstGeom>
+          <a:ln>
+            <a:noFill/>
+          </a:ln>
+        </p:spPr>
+        <p:style>
+          <a:lnRef idx="2">
+            <a:schemeClr val="accent1"/>
+          </a:lnRef>
+          <a:fillRef idx="1">
+            <a:schemeClr val="lt1"/>
+          </a:fillRef>
+          <a:effectRef idx="0">
+            <a:schemeClr val="accent1"/>
+          </a:effectRef>
+          <a:fontRef idx="minor">
+            <a:schemeClr val="dk1"/>
+          </a:fontRef>
+        </p:style>
+        <p:txBody>
+          <a:bodyPr wrap="square" rtlCol="0">
+            <a:spAutoFit/>
+          </a:bodyPr>
+          <a:lstStyle/>
+          <a:p>
+            <a:pPr algn="ctr"/>
+            <a:r>
+              <a:rPr lang="en-US" sz="1440" dirty="0" err="1"/>
+              <a:t>ffmpeg</a:t>
+            </a:r>
+            <a:endParaRPr lang="en-US" sz="1440" dirty="0"/>
+          </a:p>
+        </p:txBody>
+      </p:sp>
+      <p:sp>
+        <p:nvSpPr>
+          <p:cNvPr id="34" name="TextBox 33">
+            <a:extLst>
+              <a:ext uri="{FF2B5EF4-FFF2-40B4-BE49-F238E27FC236}">
+                <a16:creationId xmlns:a16="http://schemas.microsoft.com/office/drawing/2014/main" id="{F3870576-DAF5-8648-8CB0-DA8AC7A202F3}"/>
+              </a:ext>
+            </a:extLst>
+          </p:cNvPr>
+          <p:cNvSpPr txBox="1"/>
+          <p:nvPr/>
+        </p:nvSpPr>
+        <p:spPr>
+          <a:xfrm>
+            <a:off x="6831779" y="2344193"/>
+            <a:ext cx="939546" cy="276999"/>
+          </a:xfrm>
+          <a:prstGeom prst="rect">
+            <a:avLst/>
+          </a:prstGeom>
+          <a:noFill/>
+        </p:spPr>
+        <p:txBody>
+          <a:bodyPr wrap="square" rtlCol="0">
+            <a:spAutoFit/>
+          </a:bodyPr>
+          <a:lstStyle/>
+          <a:p>
+            <a:pPr algn="ctr"/>
+            <a:r>
+              <a:rPr lang="en-US" sz="1200" dirty="0"/>
+              <a:t>video.mp4</a:t>
+            </a:r>
+          </a:p>
+        </p:txBody>
+      </p:sp>
+      <p:sp>
+        <p:nvSpPr>
+          <p:cNvPr id="35" name="TextBox 34">
+            <a:extLst>
+              <a:ext uri="{FF2B5EF4-FFF2-40B4-BE49-F238E27FC236}">
+                <a16:creationId xmlns:a16="http://schemas.microsoft.com/office/drawing/2014/main" id="{92B44A59-370F-674F-BBFE-75A8AD4A353E}"/>
+              </a:ext>
+            </a:extLst>
+          </p:cNvPr>
+          <p:cNvSpPr txBox="1"/>
+          <p:nvPr/>
+        </p:nvSpPr>
+        <p:spPr>
+          <a:xfrm>
+            <a:off x="4735431" y="2898324"/>
+            <a:ext cx="1668327" cy="313932"/>
+          </a:xfrm>
+          <a:prstGeom prst="rect">
+            <a:avLst/>
+          </a:prstGeom>
+          <a:ln>
+            <a:noFill/>
+          </a:ln>
+        </p:spPr>
+        <p:style>
+          <a:lnRef idx="2">
+            <a:schemeClr val="accent1"/>
+          </a:lnRef>
+          <a:fillRef idx="1">
+            <a:schemeClr val="lt1"/>
+          </a:fillRef>
+          <a:effectRef idx="0">
+            <a:schemeClr val="accent1"/>
+          </a:effectRef>
+          <a:fontRef idx="minor">
+            <a:schemeClr val="dk1"/>
+          </a:fontRef>
+        </p:style>
+        <p:txBody>
+          <a:bodyPr wrap="square" rtlCol="0">
+            <a:spAutoFit/>
+          </a:bodyPr>
+          <a:lstStyle/>
+          <a:p>
+            <a:pPr algn="ctr"/>
+            <a:r>
+              <a:rPr lang="en-US" sz="1440" dirty="0" err="1"/>
+              <a:t>PreviewSendThread</a:t>
+            </a:r>
+            <a:endParaRPr lang="en-US" sz="1440" dirty="0"/>
+          </a:p>
+        </p:txBody>
+      </p:sp>
+      <p:cxnSp>
+        <p:nvCxnSpPr>
+          <p:cNvPr id="37" name="Straight Arrow Connector 36">
+            <a:extLst>
+              <a:ext uri="{FF2B5EF4-FFF2-40B4-BE49-F238E27FC236}">
+                <a16:creationId xmlns:a16="http://schemas.microsoft.com/office/drawing/2014/main" id="{8737F635-DAF8-8842-8E1E-03C2EBB071EB}"/>
+              </a:ext>
+            </a:extLst>
+          </p:cNvPr>
+          <p:cNvCxnSpPr>
+            <a:cxnSpLocks/>
+            <a:stCxn id="26" idx="2"/>
+            <a:endCxn id="30" idx="0"/>
+          </p:cNvCxnSpPr>
+          <p:nvPr/>
+        </p:nvCxnSpPr>
+        <p:spPr>
+          <a:xfrm>
+            <a:off x="5569600" y="1432230"/>
+            <a:ext cx="127" cy="299015"/>
+          </a:xfrm>
+          <a:prstGeom prst="straightConnector1">
+            <a:avLst/>
+          </a:prstGeom>
+          <a:ln>
+            <a:tailEnd type="triangle"/>
+          </a:ln>
+        </p:spPr>
+        <p:style>
+          <a:lnRef idx="1">
+            <a:schemeClr val="accent1"/>
+          </a:lnRef>
+          <a:fillRef idx="0">
+            <a:schemeClr val="accent1"/>
+          </a:fillRef>
+          <a:effectRef idx="0">
+            <a:schemeClr val="accent1"/>
+          </a:effectRef>
+          <a:fontRef idx="minor">
+            <a:schemeClr val="tx1"/>
+          </a:fontRef>
+        </p:style>
+      </p:cxnSp>
+      <p:cxnSp>
+        <p:nvCxnSpPr>
+          <p:cNvPr id="39" name="Straight Arrow Connector 38">
+            <a:extLst>
+              <a:ext uri="{FF2B5EF4-FFF2-40B4-BE49-F238E27FC236}">
+                <a16:creationId xmlns:a16="http://schemas.microsoft.com/office/drawing/2014/main" id="{4181B88B-22C8-6448-8199-A586D1A6696C}"/>
+              </a:ext>
+            </a:extLst>
+          </p:cNvPr>
+          <p:cNvCxnSpPr>
+            <a:cxnSpLocks/>
+            <a:stCxn id="30" idx="2"/>
+            <a:endCxn id="29" idx="0"/>
+          </p:cNvCxnSpPr>
+          <p:nvPr/>
+        </p:nvCxnSpPr>
+        <p:spPr>
+          <a:xfrm flipH="1">
+            <a:off x="5569596" y="2045177"/>
+            <a:ext cx="131" cy="284427"/>
+          </a:xfrm>
+          <a:prstGeom prst="straightConnector1">
+            <a:avLst/>
+          </a:prstGeom>
+          <a:ln>
+            <a:tailEnd type="triangle"/>
+          </a:ln>
+        </p:spPr>
+        <p:style>
+          <a:lnRef idx="1">
+            <a:schemeClr val="accent1"/>
+          </a:lnRef>
+          <a:fillRef idx="0">
+            <a:schemeClr val="accent1"/>
+          </a:fillRef>
+          <a:effectRef idx="0">
+            <a:schemeClr val="accent1"/>
+          </a:effectRef>
+          <a:fontRef idx="minor">
+            <a:schemeClr val="tx1"/>
+          </a:fontRef>
+        </p:style>
+      </p:cxnSp>
+      <p:cxnSp>
+        <p:nvCxnSpPr>
+          <p:cNvPr id="41" name="Straight Arrow Connector 40">
+            <a:extLst>
+              <a:ext uri="{FF2B5EF4-FFF2-40B4-BE49-F238E27FC236}">
+                <a16:creationId xmlns:a16="http://schemas.microsoft.com/office/drawing/2014/main" id="{CFB5318D-AD02-C745-81E7-2AFA0921A604}"/>
+              </a:ext>
+            </a:extLst>
+          </p:cNvPr>
+          <p:cNvCxnSpPr>
+            <a:stCxn id="29" idx="2"/>
+            <a:endCxn id="35" idx="0"/>
+          </p:cNvCxnSpPr>
+          <p:nvPr/>
+        </p:nvCxnSpPr>
+        <p:spPr>
+          <a:xfrm flipH="1">
+            <a:off x="5569595" y="2606603"/>
+            <a:ext cx="1" cy="291721"/>
+          </a:xfrm>
+          <a:prstGeom prst="straightConnector1">
+            <a:avLst/>
+          </a:prstGeom>
+          <a:ln>
+            <a:tailEnd type="triangle"/>
+          </a:ln>
+        </p:spPr>
+        <p:style>
+          <a:lnRef idx="1">
+            <a:schemeClr val="accent1"/>
+          </a:lnRef>
+          <a:fillRef idx="0">
+            <a:schemeClr val="accent1"/>
+          </a:fillRef>
+          <a:effectRef idx="0">
+            <a:schemeClr val="accent1"/>
+          </a:effectRef>
+          <a:fontRef idx="minor">
+            <a:schemeClr val="tx1"/>
+          </a:fontRef>
+        </p:style>
+      </p:cxnSp>
+      <p:cxnSp>
+        <p:nvCxnSpPr>
+          <p:cNvPr id="43" name="Straight Arrow Connector 42">
+            <a:extLst>
+              <a:ext uri="{FF2B5EF4-FFF2-40B4-BE49-F238E27FC236}">
+                <a16:creationId xmlns:a16="http://schemas.microsoft.com/office/drawing/2014/main" id="{CC530BD5-B02E-1349-B31E-F87CC23A20B5}"/>
+              </a:ext>
+            </a:extLst>
+          </p:cNvPr>
+          <p:cNvCxnSpPr>
+            <a:cxnSpLocks/>
+            <a:stCxn id="35" idx="2"/>
+            <a:endCxn id="27" idx="0"/>
+          </p:cNvCxnSpPr>
+          <p:nvPr/>
+        </p:nvCxnSpPr>
+        <p:spPr>
+          <a:xfrm>
+            <a:off x="5569595" y="3212256"/>
+            <a:ext cx="0" cy="291719"/>
+          </a:xfrm>
+          <a:prstGeom prst="straightConnector1">
+            <a:avLst/>
+          </a:prstGeom>
+          <a:ln>
+            <a:tailEnd type="triangle"/>
+          </a:ln>
+        </p:spPr>
+        <p:style>
+          <a:lnRef idx="1">
+            <a:schemeClr val="accent1"/>
+          </a:lnRef>
+          <a:fillRef idx="0">
+            <a:schemeClr val="accent1"/>
+          </a:fillRef>
+          <a:effectRef idx="0">
+            <a:schemeClr val="accent1"/>
+          </a:effectRef>
+          <a:fontRef idx="minor">
+            <a:schemeClr val="tx1"/>
+          </a:fontRef>
+        </p:style>
+      </p:cxnSp>
+      <p:cxnSp>
+        <p:nvCxnSpPr>
+          <p:cNvPr id="45" name="Straight Arrow Connector 44">
+            <a:extLst>
+              <a:ext uri="{FF2B5EF4-FFF2-40B4-BE49-F238E27FC236}">
+                <a16:creationId xmlns:a16="http://schemas.microsoft.com/office/drawing/2014/main" id="{8ADAAEC3-DB0F-F042-B0B5-2F6A7C25B224}"/>
+              </a:ext>
+            </a:extLst>
+          </p:cNvPr>
+          <p:cNvCxnSpPr>
+            <a:cxnSpLocks/>
+            <a:stCxn id="30" idx="3"/>
+            <a:endCxn id="32" idx="1"/>
+          </p:cNvCxnSpPr>
+          <p:nvPr/>
+        </p:nvCxnSpPr>
+        <p:spPr>
+          <a:xfrm>
+            <a:off x="6185134" y="1888211"/>
+            <a:ext cx="610106" cy="0"/>
+          </a:xfrm>
+          <a:prstGeom prst="straightConnector1">
+            <a:avLst/>
+          </a:prstGeom>
+          <a:ln>
+            <a:tailEnd type="triangle"/>
+          </a:ln>
+        </p:spPr>
+        <p:style>
+          <a:lnRef idx="1">
+            <a:schemeClr val="accent1"/>
+          </a:lnRef>
+          <a:fillRef idx="0">
+            <a:schemeClr val="accent1"/>
+          </a:fillRef>
+          <a:effectRef idx="0">
+            <a:schemeClr val="accent1"/>
+          </a:effectRef>
+          <a:fontRef idx="minor">
+            <a:schemeClr val="tx1"/>
+          </a:fontRef>
+        </p:style>
+      </p:cxnSp>
+      <p:cxnSp>
+        <p:nvCxnSpPr>
+          <p:cNvPr id="53" name="Straight Arrow Connector 52">
+            <a:extLst>
+              <a:ext uri="{FF2B5EF4-FFF2-40B4-BE49-F238E27FC236}">
+                <a16:creationId xmlns:a16="http://schemas.microsoft.com/office/drawing/2014/main" id="{482B1AF9-EBD2-5146-BF49-A688331E642C}"/>
+              </a:ext>
+            </a:extLst>
+          </p:cNvPr>
+          <p:cNvCxnSpPr>
+            <a:stCxn id="32" idx="2"/>
+            <a:endCxn id="34" idx="0"/>
+          </p:cNvCxnSpPr>
+          <p:nvPr/>
+        </p:nvCxnSpPr>
+        <p:spPr>
+          <a:xfrm>
+            <a:off x="7301552" y="2045177"/>
+            <a:ext cx="0" cy="299016"/>
+          </a:xfrm>
+          <a:prstGeom prst="straightConnector1">
+            <a:avLst/>
+          </a:prstGeom>
+          <a:ln>
+            <a:tailEnd type="triangle"/>
+          </a:ln>
+        </p:spPr>
+        <p:style>
+          <a:lnRef idx="1">
+            <a:schemeClr val="accent1"/>
+          </a:lnRef>
+          <a:fillRef idx="0">
+            <a:schemeClr val="accent1"/>
+          </a:fillRef>
+          <a:effectRef idx="0">
+            <a:schemeClr val="accent1"/>
+          </a:effectRef>
+          <a:fontRef idx="minor">
+            <a:schemeClr val="tx1"/>
+          </a:fontRef>
+        </p:style>
+      </p:cxnSp>
+      <p:cxnSp>
+        <p:nvCxnSpPr>
+          <p:cNvPr id="55" name="Straight Arrow Connector 54">
+            <a:extLst>
+              <a:ext uri="{FF2B5EF4-FFF2-40B4-BE49-F238E27FC236}">
+                <a16:creationId xmlns:a16="http://schemas.microsoft.com/office/drawing/2014/main" id="{A2BCD73A-02AB-6C4A-842B-F558ACAAA0F8}"/>
+              </a:ext>
+            </a:extLst>
+          </p:cNvPr>
+          <p:cNvCxnSpPr>
+            <a:cxnSpLocks/>
+            <a:stCxn id="25" idx="3"/>
+            <a:endCxn id="26" idx="1"/>
+          </p:cNvCxnSpPr>
+          <p:nvPr/>
+        </p:nvCxnSpPr>
+        <p:spPr>
+          <a:xfrm>
+            <a:off x="4124780" y="1293731"/>
+            <a:ext cx="684204" cy="0"/>
+          </a:xfrm>
+          <a:prstGeom prst="straightConnector1">
+            <a:avLst/>
+          </a:prstGeom>
+          <a:ln>
+            <a:tailEnd type="triangle"/>
+          </a:ln>
+        </p:spPr>
+        <p:style>
+          <a:lnRef idx="1">
+            <a:schemeClr val="accent1"/>
+          </a:lnRef>
+          <a:fillRef idx="0">
+            <a:schemeClr val="accent1"/>
+          </a:fillRef>
+          <a:effectRef idx="0">
+            <a:schemeClr val="accent1"/>
+          </a:effectRef>
+          <a:fontRef idx="minor">
+            <a:schemeClr val="tx1"/>
+          </a:fontRef>
+        </p:style>
+      </p:cxnSp>
+      <p:cxnSp>
+        <p:nvCxnSpPr>
+          <p:cNvPr id="59" name="Straight Arrow Connector 58">
+            <a:extLst>
+              <a:ext uri="{FF2B5EF4-FFF2-40B4-BE49-F238E27FC236}">
+                <a16:creationId xmlns:a16="http://schemas.microsoft.com/office/drawing/2014/main" id="{7DE1F2FF-299A-C949-9D24-99D5C14615E2}"/>
+              </a:ext>
+            </a:extLst>
+          </p:cNvPr>
+          <p:cNvCxnSpPr>
+            <a:cxnSpLocks/>
+            <a:stCxn id="27" idx="1"/>
+            <a:endCxn id="28" idx="3"/>
+          </p:cNvCxnSpPr>
+          <p:nvPr/>
+        </p:nvCxnSpPr>
+        <p:spPr>
+          <a:xfrm flipH="1">
+            <a:off x="4369123" y="3642475"/>
+            <a:ext cx="344854" cy="1"/>
+          </a:xfrm>
+          <a:prstGeom prst="straightConnector1">
+            <a:avLst/>
+          </a:prstGeom>
+          <a:ln>
+            <a:tailEnd type="triangle"/>
+          </a:ln>
+        </p:spPr>
+        <p:style>
+          <a:lnRef idx="1">
+            <a:schemeClr val="accent1"/>
+          </a:lnRef>
+          <a:fillRef idx="0">
+            <a:schemeClr val="accent1"/>
+          </a:fillRef>
+          <a:effectRef idx="0">
+            <a:schemeClr val="accent1"/>
+          </a:effectRef>
+          <a:fontRef idx="minor">
+            <a:schemeClr val="tx1"/>
+          </a:fontRef>
+        </p:style>
+      </p:cxnSp>
+      <p:cxnSp>
+        <p:nvCxnSpPr>
+          <p:cNvPr id="67" name="Straight Arrow Connector 66">
+            <a:extLst>
+              <a:ext uri="{FF2B5EF4-FFF2-40B4-BE49-F238E27FC236}">
+                <a16:creationId xmlns:a16="http://schemas.microsoft.com/office/drawing/2014/main" id="{B0C5D50F-1BD8-D94E-B7F3-9C2AC43096D1}"/>
+              </a:ext>
+            </a:extLst>
+          </p:cNvPr>
+          <p:cNvCxnSpPr>
+            <a:cxnSpLocks/>
+            <a:stCxn id="13" idx="3"/>
+            <a:endCxn id="25" idx="1"/>
+          </p:cNvCxnSpPr>
+          <p:nvPr/>
+        </p:nvCxnSpPr>
+        <p:spPr>
+          <a:xfrm flipV="1">
+            <a:off x="2006527" y="1293731"/>
+            <a:ext cx="749592" cy="1"/>
+          </a:xfrm>
+          <a:prstGeom prst="straightConnector1">
+            <a:avLst/>
+          </a:prstGeom>
+          <a:ln>
+            <a:tailEnd type="triangle"/>
+          </a:ln>
+        </p:spPr>
+        <p:style>
+          <a:lnRef idx="1">
+            <a:schemeClr val="accent1"/>
+          </a:lnRef>
+          <a:fillRef idx="0">
+            <a:schemeClr val="accent1"/>
+          </a:fillRef>
+          <a:effectRef idx="0">
+            <a:schemeClr val="accent1"/>
+          </a:effectRef>
+          <a:fontRef idx="minor">
+            <a:schemeClr val="tx1"/>
+          </a:fontRef>
+        </p:style>
+      </p:cxnSp>
+      <p:cxnSp>
+        <p:nvCxnSpPr>
+          <p:cNvPr id="69" name="Straight Arrow Connector 68">
+            <a:extLst>
+              <a:ext uri="{FF2B5EF4-FFF2-40B4-BE49-F238E27FC236}">
+                <a16:creationId xmlns:a16="http://schemas.microsoft.com/office/drawing/2014/main" id="{34003EB0-7A90-7F4F-96E1-B798AEDF4BB8}"/>
+              </a:ext>
+            </a:extLst>
+          </p:cNvPr>
+          <p:cNvCxnSpPr>
+            <a:cxnSpLocks/>
+            <a:stCxn id="13" idx="2"/>
+            <a:endCxn id="22" idx="0"/>
+          </p:cNvCxnSpPr>
+          <p:nvPr/>
+        </p:nvCxnSpPr>
+        <p:spPr>
+          <a:xfrm flipH="1">
+            <a:off x="1529176" y="1432231"/>
+            <a:ext cx="3526" cy="897372"/>
+          </a:xfrm>
+          <a:prstGeom prst="straightConnector1">
+            <a:avLst/>
+          </a:prstGeom>
+          <a:ln>
+            <a:tailEnd type="triangle"/>
+          </a:ln>
+        </p:spPr>
+        <p:style>
+          <a:lnRef idx="1">
+            <a:schemeClr val="accent1"/>
+          </a:lnRef>
+          <a:fillRef idx="0">
+            <a:schemeClr val="accent1"/>
+          </a:fillRef>
+          <a:effectRef idx="0">
+            <a:schemeClr val="accent1"/>
+          </a:effectRef>
+          <a:fontRef idx="minor">
+            <a:schemeClr val="tx1"/>
+          </a:fontRef>
+        </p:style>
+      </p:cxnSp>
+      <p:cxnSp>
+        <p:nvCxnSpPr>
+          <p:cNvPr id="71" name="Straight Arrow Connector 70">
+            <a:extLst>
+              <a:ext uri="{FF2B5EF4-FFF2-40B4-BE49-F238E27FC236}">
+                <a16:creationId xmlns:a16="http://schemas.microsoft.com/office/drawing/2014/main" id="{87E75F0F-1925-ED4E-B237-AC2CE9537364}"/>
+              </a:ext>
+            </a:extLst>
+          </p:cNvPr>
+          <p:cNvCxnSpPr>
+            <a:stCxn id="22" idx="2"/>
+          </p:cNvCxnSpPr>
+          <p:nvPr/>
+        </p:nvCxnSpPr>
+        <p:spPr>
+          <a:xfrm flipH="1">
+            <a:off x="1529175" y="2606602"/>
+            <a:ext cx="1" cy="1396055"/>
+          </a:xfrm>
+          <a:prstGeom prst="straightConnector1">
+            <a:avLst/>
+          </a:prstGeom>
+          <a:ln>
+            <a:tailEnd type="triangle"/>
+          </a:ln>
+        </p:spPr>
+        <p:style>
+          <a:lnRef idx="1">
+            <a:schemeClr val="accent1"/>
+          </a:lnRef>
+          <a:fillRef idx="0">
+            <a:schemeClr val="accent1"/>
+          </a:fillRef>
+          <a:effectRef idx="0">
+            <a:schemeClr val="accent1"/>
+          </a:effectRef>
+          <a:fontRef idx="minor">
+            <a:schemeClr val="tx1"/>
+          </a:fontRef>
+        </p:style>
+      </p:cxnSp>
+      <p:cxnSp>
+        <p:nvCxnSpPr>
+          <p:cNvPr id="73" name="Straight Connector 72">
+            <a:extLst>
+              <a:ext uri="{FF2B5EF4-FFF2-40B4-BE49-F238E27FC236}">
+                <a16:creationId xmlns:a16="http://schemas.microsoft.com/office/drawing/2014/main" id="{2FDE8F37-B078-5D4D-923C-F9AE33110E1F}"/>
+              </a:ext>
+            </a:extLst>
+          </p:cNvPr>
+          <p:cNvCxnSpPr>
+            <a:stCxn id="28" idx="1"/>
+          </p:cNvCxnSpPr>
+          <p:nvPr/>
+        </p:nvCxnSpPr>
+        <p:spPr>
+          <a:xfrm flipH="1" flipV="1">
+            <a:off x="1529175" y="3642474"/>
+            <a:ext cx="982600" cy="2"/>
+          </a:xfrm>
+          <a:prstGeom prst="line">
+            <a:avLst/>
+          </a:prstGeom>
+        </p:spPr>
+        <p:style>
+          <a:lnRef idx="1">
+            <a:schemeClr val="accent1"/>
+          </a:lnRef>
+          <a:fillRef idx="0">
+            <a:schemeClr val="accent1"/>
+          </a:fillRef>
+          <a:effectRef idx="0">
+            <a:schemeClr val="accent1"/>
+          </a:effectRef>
+          <a:fontRef idx="minor">
+            <a:schemeClr val="tx1"/>
+          </a:fontRef>
+        </p:style>
+      </p:cxnSp>
+      <p:sp>
+        <p:nvSpPr>
+          <p:cNvPr id="75" name="TextBox 74">
+            <a:extLst>
+              <a:ext uri="{FF2B5EF4-FFF2-40B4-BE49-F238E27FC236}">
+                <a16:creationId xmlns:a16="http://schemas.microsoft.com/office/drawing/2014/main" id="{EEB299F4-FB25-7546-A4FA-4BFC3B7FE0F0}"/>
+              </a:ext>
+            </a:extLst>
+          </p:cNvPr>
+          <p:cNvSpPr txBox="1"/>
+          <p:nvPr/>
+        </p:nvSpPr>
+        <p:spPr>
+          <a:xfrm>
+            <a:off x="6676631" y="2898171"/>
+            <a:ext cx="1249842" cy="313932"/>
+          </a:xfrm>
+          <a:prstGeom prst="rect">
+            <a:avLst/>
+          </a:prstGeom>
+          <a:ln>
+            <a:noFill/>
+          </a:ln>
+        </p:spPr>
+        <p:style>
+          <a:lnRef idx="2">
+            <a:schemeClr val="accent1"/>
+          </a:lnRef>
+          <a:fillRef idx="1">
+            <a:schemeClr val="lt1"/>
+          </a:fillRef>
+          <a:effectRef idx="0">
+            <a:schemeClr val="accent1"/>
+          </a:effectRef>
+          <a:fontRef idx="minor">
+            <a:schemeClr val="dk1"/>
+          </a:fontRef>
+        </p:style>
+        <p:txBody>
+          <a:bodyPr wrap="square" rtlCol="0">
+            <a:spAutoFit/>
+          </a:bodyPr>
+          <a:lstStyle/>
+          <a:p>
+            <a:pPr algn="ctr"/>
+            <a:r>
+              <a:rPr lang="en-US" sz="1440" dirty="0"/>
+              <a:t>[named pipe]</a:t>
+            </a:r>
+          </a:p>
+        </p:txBody>
+      </p:sp>
+      <p:cxnSp>
+        <p:nvCxnSpPr>
+          <p:cNvPr id="81" name="Straight Arrow Connector 80">
+            <a:extLst>
+              <a:ext uri="{FF2B5EF4-FFF2-40B4-BE49-F238E27FC236}">
+                <a16:creationId xmlns:a16="http://schemas.microsoft.com/office/drawing/2014/main" id="{AE6D04D5-CBB5-0B41-9280-D4A6F663DE9C}"/>
+              </a:ext>
+            </a:extLst>
+          </p:cNvPr>
+          <p:cNvCxnSpPr>
+            <a:stCxn id="35" idx="3"/>
+            <a:endCxn id="75" idx="1"/>
+          </p:cNvCxnSpPr>
+          <p:nvPr/>
+        </p:nvCxnSpPr>
+        <p:spPr>
+          <a:xfrm flipV="1">
+            <a:off x="6403758" y="3055137"/>
+            <a:ext cx="272873" cy="153"/>
+          </a:xfrm>
+          <a:prstGeom prst="straightConnector1">
+            <a:avLst/>
+          </a:prstGeom>
+          <a:ln>
+            <a:tailEnd type="triangle"/>
+          </a:ln>
+        </p:spPr>
+        <p:style>
+          <a:lnRef idx="1">
+            <a:schemeClr val="accent1"/>
+          </a:lnRef>
+          <a:fillRef idx="0">
+            <a:schemeClr val="accent1"/>
+          </a:fillRef>
+          <a:effectRef idx="0">
+            <a:schemeClr val="accent1"/>
+          </a:effectRef>
+          <a:fontRef idx="minor">
+            <a:schemeClr val="tx1"/>
+          </a:fontRef>
+        </p:style>
+      </p:cxnSp>
+    </p:spTree>
+    <p:extLst>
+      <p:ext uri="{BB962C8B-B14F-4D97-AF65-F5344CB8AC3E}">
+        <p14:creationId xmlns:p14="http://schemas.microsoft.com/office/powerpoint/2010/main" val="3208947577"/>
+      </p:ext>
+    </p:extLst>
+  </p:cSld>
+  <p:clrMapOvr>
+    <a:masterClrMapping/>
+  </p:clrMapOvr>
+</p:sld>
+</file>
+
+<file path=ppt/slides/slide9.xml><?xml version="1.0" encoding="utf-8"?>
+<p:sld xmlns:a="http://schemas.openxmlformats.org/drawingml/2006/main" xmlns:r="http://schemas.openxmlformats.org/officeDocument/2006/relationships" xmlns:p="http://schemas.openxmlformats.org/presentationml/2006/main">
+  <p:cSld>
+    <p:spTree>
+      <p:nvGrpSpPr>
+        <p:cNvPr id="1" name=""/>
+        <p:cNvGrpSpPr/>
+        <p:nvPr/>
+      </p:nvGrpSpPr>
+      <p:grpSpPr>
+        <a:xfrm>
+          <a:off x="0" y="0"/>
+          <a:ext cx="0" cy="0"/>
+          <a:chOff x="0" y="0"/>
+          <a:chExt cx="0" cy="0"/>
+        </a:xfrm>
+      </p:grpSpPr>
+      <p:sp>
+        <p:nvSpPr>
+          <p:cNvPr id="13" name="TextBox 12">
+            <a:extLst>
+              <a:ext uri="{FF2B5EF4-FFF2-40B4-BE49-F238E27FC236}">
+                <a16:creationId xmlns:a16="http://schemas.microsoft.com/office/drawing/2014/main" id="{545D6DB8-987C-6D48-AF9D-A317C2AE5000}"/>
+              </a:ext>
+            </a:extLst>
+          </p:cNvPr>
+          <p:cNvSpPr txBox="1"/>
+          <p:nvPr/>
+        </p:nvSpPr>
+        <p:spPr>
+          <a:xfrm>
+            <a:off x="1274094" y="1155231"/>
+            <a:ext cx="509685" cy="276999"/>
+          </a:xfrm>
+          <a:prstGeom prst="rect">
+            <a:avLst/>
+          </a:prstGeom>
+          <a:noFill/>
+        </p:spPr>
+        <p:txBody>
+          <a:bodyPr wrap="square" rtlCol="0">
+            <a:spAutoFit/>
+          </a:bodyPr>
+          <a:lstStyle/>
+          <a:p>
+            <a:pPr algn="ctr"/>
+            <a:r>
+              <a:rPr lang="en-US" sz="1200" dirty="0"/>
+              <a:t>Start</a:t>
+            </a:r>
+          </a:p>
+        </p:txBody>
+      </p:sp>
+      <p:sp>
+        <p:nvSpPr>
+          <p:cNvPr id="18" name="TextBox 17">
+            <a:extLst>
+              <a:ext uri="{FF2B5EF4-FFF2-40B4-BE49-F238E27FC236}">
+                <a16:creationId xmlns:a16="http://schemas.microsoft.com/office/drawing/2014/main" id="{C0AF133D-0416-FD42-9A30-50D3FDA1DD68}"/>
+              </a:ext>
+            </a:extLst>
+          </p:cNvPr>
+          <p:cNvSpPr txBox="1"/>
+          <p:nvPr/>
+        </p:nvSpPr>
+        <p:spPr>
+          <a:xfrm>
+            <a:off x="805285" y="475944"/>
+            <a:ext cx="1454835" cy="313932"/>
+          </a:xfrm>
+          <a:prstGeom prst="rect">
+            <a:avLst/>
+          </a:prstGeom>
+          <a:ln>
+            <a:noFill/>
+          </a:ln>
+        </p:spPr>
+        <p:style>
+          <a:lnRef idx="2">
+            <a:schemeClr val="accent1"/>
+          </a:lnRef>
+          <a:fillRef idx="1">
+            <a:schemeClr val="lt1"/>
+          </a:fillRef>
+          <a:effectRef idx="0">
+            <a:schemeClr val="accent1"/>
+          </a:effectRef>
+          <a:fontRef idx="minor">
+            <a:schemeClr val="dk1"/>
+          </a:fontRef>
+        </p:style>
+        <p:txBody>
+          <a:bodyPr wrap="square" rtlCol="0">
+            <a:spAutoFit/>
+          </a:bodyPr>
+          <a:lstStyle/>
+          <a:p>
+            <a:pPr algn="ctr"/>
+            <a:r>
+              <a:rPr lang="en-US" sz="1440" dirty="0"/>
+              <a:t>Main Process (</a:t>
+            </a:r>
+            <a:r>
+              <a:rPr lang="en-US" sz="1440" dirty="0" err="1"/>
+              <a:t>js</a:t>
+            </a:r>
+            <a:r>
+              <a:rPr lang="en-US" sz="1440" dirty="0"/>
+              <a:t>)</a:t>
+            </a:r>
+          </a:p>
+        </p:txBody>
+      </p:sp>
+      <p:sp>
+        <p:nvSpPr>
+          <p:cNvPr id="19" name="TextBox 18">
+            <a:extLst>
+              <a:ext uri="{FF2B5EF4-FFF2-40B4-BE49-F238E27FC236}">
+                <a16:creationId xmlns:a16="http://schemas.microsoft.com/office/drawing/2014/main" id="{AC9B9D1F-5738-7E4E-B88E-49E3CAB72552}"/>
+              </a:ext>
+            </a:extLst>
+          </p:cNvPr>
+          <p:cNvSpPr txBox="1"/>
+          <p:nvPr/>
+        </p:nvSpPr>
+        <p:spPr>
+          <a:xfrm>
+            <a:off x="2733729" y="475944"/>
+            <a:ext cx="1632748" cy="313932"/>
+          </a:xfrm>
+          <a:prstGeom prst="rect">
+            <a:avLst/>
+          </a:prstGeom>
+          <a:ln>
+            <a:noFill/>
+          </a:ln>
+        </p:spPr>
+        <p:style>
+          <a:lnRef idx="2">
+            <a:schemeClr val="accent1"/>
+          </a:lnRef>
+          <a:fillRef idx="1">
+            <a:schemeClr val="lt1"/>
+          </a:fillRef>
+          <a:effectRef idx="0">
+            <a:schemeClr val="accent1"/>
+          </a:effectRef>
+          <a:fontRef idx="minor">
+            <a:schemeClr val="dk1"/>
+          </a:fontRef>
+        </p:style>
+        <p:txBody>
+          <a:bodyPr wrap="square" rtlCol="0">
+            <a:spAutoFit/>
+          </a:bodyPr>
+          <a:lstStyle/>
+          <a:p>
+            <a:pPr algn="ctr"/>
+            <a:r>
+              <a:rPr lang="en-US" sz="1440" dirty="0"/>
+              <a:t>Native Layer (C++)</a:t>
+            </a:r>
+          </a:p>
+        </p:txBody>
+      </p:sp>
+      <p:cxnSp>
+        <p:nvCxnSpPr>
+          <p:cNvPr id="21" name="Straight Connector 20">
+            <a:extLst>
+              <a:ext uri="{FF2B5EF4-FFF2-40B4-BE49-F238E27FC236}">
+                <a16:creationId xmlns:a16="http://schemas.microsoft.com/office/drawing/2014/main" id="{5D573CB1-B38F-5048-AF0E-900C21907E3A}"/>
+              </a:ext>
+            </a:extLst>
+          </p:cNvPr>
+          <p:cNvCxnSpPr>
+            <a:cxnSpLocks/>
+          </p:cNvCxnSpPr>
+          <p:nvPr/>
+        </p:nvCxnSpPr>
+        <p:spPr>
+          <a:xfrm>
+            <a:off x="2362546" y="915008"/>
+            <a:ext cx="0" cy="4381611"/>
+          </a:xfrm>
+          <a:prstGeom prst="line">
+            <a:avLst/>
+          </a:prstGeom>
+          <a:ln w="25400">
+            <a:solidFill>
+              <a:schemeClr val="tx1">
+                <a:lumMod val="50000"/>
+                <a:lumOff val="50000"/>
+              </a:schemeClr>
+            </a:solidFill>
+            <a:prstDash val="sysDash"/>
+          </a:ln>
+        </p:spPr>
+        <p:style>
+          <a:lnRef idx="1">
+            <a:schemeClr val="accent1"/>
+          </a:lnRef>
+          <a:fillRef idx="0">
+            <a:schemeClr val="accent1"/>
+          </a:fillRef>
+          <a:effectRef idx="0">
+            <a:schemeClr val="accent1"/>
+          </a:effectRef>
+          <a:fontRef idx="minor">
+            <a:schemeClr val="tx1"/>
+          </a:fontRef>
+        </p:style>
+      </p:cxnSp>
+      <p:pic>
+        <p:nvPicPr>
+          <p:cNvPr id="24" name="Graphic 23">
+            <a:extLst>
+              <a:ext uri="{FF2B5EF4-FFF2-40B4-BE49-F238E27FC236}">
+                <a16:creationId xmlns:a16="http://schemas.microsoft.com/office/drawing/2014/main" id="{73C28D99-3367-F64B-8ED3-6B429860239B}"/>
+              </a:ext>
+            </a:extLst>
+          </p:cNvPr>
+          <p:cNvPicPr>
+            <a:picLocks noChangeAspect="1"/>
+          </p:cNvPicPr>
+          <p:nvPr/>
+        </p:nvPicPr>
+        <p:blipFill>
+          <a:blip r:embed="rId2">
+            <a:extLst>
+              <a:ext uri="{96DAC541-7B7A-43D3-8B79-37D633B846F1}">
+                <asvg:svgBlip xmlns:asvg="http://schemas.microsoft.com/office/drawing/2016/SVG/main" r:embed="rId3"/>
+              </a:ext>
+            </a:extLst>
+          </a:blip>
+          <a:stretch>
+            <a:fillRect/>
+          </a:stretch>
+        </p:blipFill>
+        <p:spPr>
+          <a:xfrm>
+            <a:off x="3377437" y="4823885"/>
+            <a:ext cx="343098" cy="343098"/>
+          </a:xfrm>
+          <a:prstGeom prst="rect">
+            <a:avLst/>
+          </a:prstGeom>
+        </p:spPr>
+      </p:pic>
+      <p:sp>
+        <p:nvSpPr>
+          <p:cNvPr id="25" name="TextBox 24">
+            <a:extLst>
+              <a:ext uri="{FF2B5EF4-FFF2-40B4-BE49-F238E27FC236}">
+                <a16:creationId xmlns:a16="http://schemas.microsoft.com/office/drawing/2014/main" id="{9F11024C-DDCC-D746-8AF3-9E492BA07ABB}"/>
+              </a:ext>
+            </a:extLst>
+          </p:cNvPr>
+          <p:cNvSpPr txBox="1"/>
+          <p:nvPr/>
+        </p:nvSpPr>
+        <p:spPr>
+          <a:xfrm>
+            <a:off x="2756119" y="1155231"/>
+            <a:ext cx="1587968" cy="276999"/>
+          </a:xfrm>
+          <a:prstGeom prst="rect">
+            <a:avLst/>
+          </a:prstGeom>
+          <a:noFill/>
+        </p:spPr>
+        <p:txBody>
+          <a:bodyPr wrap="square" rtlCol="0">
+            <a:spAutoFit/>
+          </a:bodyPr>
+          <a:lstStyle/>
+          <a:p>
+            <a:pPr algn="ctr"/>
+            <a:r>
+              <a:rPr lang="en-US" sz="1200" dirty="0" err="1"/>
+              <a:t>beginVideoPlayback</a:t>
+            </a:r>
+            <a:r>
+              <a:rPr lang="en-US" sz="1200" dirty="0"/>
+              <a:t>()</a:t>
+            </a:r>
+          </a:p>
+        </p:txBody>
+      </p:sp>
+      <p:sp>
+        <p:nvSpPr>
+          <p:cNvPr id="26" name="TextBox 25">
+            <a:extLst>
+              <a:ext uri="{FF2B5EF4-FFF2-40B4-BE49-F238E27FC236}">
+                <a16:creationId xmlns:a16="http://schemas.microsoft.com/office/drawing/2014/main" id="{4DFCAF0E-88B7-9040-9AFD-FDEEB4BE6796}"/>
+              </a:ext>
+            </a:extLst>
+          </p:cNvPr>
+          <p:cNvSpPr txBox="1"/>
+          <p:nvPr/>
+        </p:nvSpPr>
+        <p:spPr>
+          <a:xfrm>
+            <a:off x="2788373" y="2274584"/>
+            <a:ext cx="1521231" cy="276999"/>
+          </a:xfrm>
+          <a:prstGeom prst="rect">
+            <a:avLst/>
+          </a:prstGeom>
+          <a:noFill/>
+        </p:spPr>
+        <p:txBody>
+          <a:bodyPr wrap="square" rtlCol="0">
+            <a:spAutoFit/>
+          </a:bodyPr>
+          <a:lstStyle/>
+          <a:p>
+            <a:pPr algn="ctr"/>
+            <a:r>
+              <a:rPr lang="en-US" sz="1200" dirty="0" err="1"/>
+              <a:t>pendingFrameQueue</a:t>
+            </a:r>
+            <a:endParaRPr lang="en-US" sz="1200" dirty="0"/>
+          </a:p>
+        </p:txBody>
+      </p:sp>
+      <p:sp>
+        <p:nvSpPr>
+          <p:cNvPr id="29" name="TextBox 28">
+            <a:extLst>
+              <a:ext uri="{FF2B5EF4-FFF2-40B4-BE49-F238E27FC236}">
+                <a16:creationId xmlns:a16="http://schemas.microsoft.com/office/drawing/2014/main" id="{12BB0AD0-B251-0F46-B264-5F0DB3DD7E2C}"/>
+              </a:ext>
+            </a:extLst>
+          </p:cNvPr>
+          <p:cNvSpPr txBox="1"/>
+          <p:nvPr/>
+        </p:nvSpPr>
+        <p:spPr>
+          <a:xfrm>
+            <a:off x="2651192" y="3487808"/>
+            <a:ext cx="1795589" cy="276999"/>
+          </a:xfrm>
+          <a:prstGeom prst="rect">
+            <a:avLst/>
+          </a:prstGeom>
+          <a:noFill/>
+        </p:spPr>
+        <p:txBody>
+          <a:bodyPr wrap="square" rtlCol="0">
+            <a:spAutoFit/>
+          </a:bodyPr>
+          <a:lstStyle/>
+          <a:p>
+            <a:pPr algn="ctr"/>
+            <a:r>
+              <a:rPr lang="en-US" sz="1200" dirty="0" err="1"/>
+              <a:t>pendingPreviewQueue</a:t>
+            </a:r>
+            <a:endParaRPr lang="en-US" sz="1200" dirty="0"/>
+          </a:p>
+        </p:txBody>
+      </p:sp>
+      <p:sp>
+        <p:nvSpPr>
+          <p:cNvPr id="30" name="TextBox 29">
+            <a:extLst>
+              <a:ext uri="{FF2B5EF4-FFF2-40B4-BE49-F238E27FC236}">
+                <a16:creationId xmlns:a16="http://schemas.microsoft.com/office/drawing/2014/main" id="{A5D25D21-2DA4-474A-B55A-04E95F6229B4}"/>
+              </a:ext>
+            </a:extLst>
+          </p:cNvPr>
+          <p:cNvSpPr txBox="1"/>
+          <p:nvPr/>
+        </p:nvSpPr>
+        <p:spPr>
+          <a:xfrm>
+            <a:off x="2860137" y="1696441"/>
+            <a:ext cx="1377703" cy="313932"/>
+          </a:xfrm>
+          <a:prstGeom prst="rect">
+            <a:avLst/>
+          </a:prstGeom>
+          <a:ln>
+            <a:noFill/>
+          </a:ln>
+        </p:spPr>
+        <p:style>
+          <a:lnRef idx="2">
+            <a:schemeClr val="accent1"/>
+          </a:lnRef>
+          <a:fillRef idx="1">
+            <a:schemeClr val="lt1"/>
+          </a:fillRef>
+          <a:effectRef idx="0">
+            <a:schemeClr val="accent1"/>
+          </a:effectRef>
+          <a:fontRef idx="minor">
+            <a:schemeClr val="dk1"/>
+          </a:fontRef>
+        </p:style>
+        <p:txBody>
+          <a:bodyPr wrap="square" rtlCol="0">
+            <a:spAutoFit/>
+          </a:bodyPr>
+          <a:lstStyle/>
+          <a:p>
+            <a:pPr algn="ctr"/>
+            <a:r>
+              <a:rPr lang="en-US" sz="1440" dirty="0" err="1"/>
+              <a:t>PlaybackThread</a:t>
+            </a:r>
+            <a:endParaRPr lang="en-US" sz="1440" dirty="0"/>
+          </a:p>
+        </p:txBody>
+      </p:sp>
+      <p:sp>
+        <p:nvSpPr>
+          <p:cNvPr id="32" name="TextBox 31">
+            <a:extLst>
+              <a:ext uri="{FF2B5EF4-FFF2-40B4-BE49-F238E27FC236}">
+                <a16:creationId xmlns:a16="http://schemas.microsoft.com/office/drawing/2014/main" id="{D46585D1-833E-D34D-B12C-A71F3E95388F}"/>
+              </a:ext>
+            </a:extLst>
+          </p:cNvPr>
+          <p:cNvSpPr txBox="1"/>
+          <p:nvPr/>
+        </p:nvSpPr>
+        <p:spPr>
+          <a:xfrm>
+            <a:off x="4885997" y="1699693"/>
+            <a:ext cx="801378" cy="313932"/>
+          </a:xfrm>
+          <a:prstGeom prst="rect">
+            <a:avLst/>
+          </a:prstGeom>
+          <a:ln>
+            <a:noFill/>
+          </a:ln>
+        </p:spPr>
+        <p:style>
+          <a:lnRef idx="2">
+            <a:schemeClr val="accent1"/>
+          </a:lnRef>
+          <a:fillRef idx="1">
+            <a:schemeClr val="lt1"/>
+          </a:fillRef>
+          <a:effectRef idx="0">
+            <a:schemeClr val="accent1"/>
+          </a:effectRef>
+          <a:fontRef idx="minor">
+            <a:schemeClr val="dk1"/>
+          </a:fontRef>
+        </p:style>
+        <p:txBody>
+          <a:bodyPr wrap="square" rtlCol="0">
+            <a:spAutoFit/>
+          </a:bodyPr>
+          <a:lstStyle/>
+          <a:p>
+            <a:pPr algn="ctr"/>
+            <a:r>
+              <a:rPr lang="en-US" sz="1440" dirty="0" err="1"/>
+              <a:t>ffmpeg</a:t>
+            </a:r>
+            <a:endParaRPr lang="en-US" sz="1440" dirty="0"/>
+          </a:p>
+        </p:txBody>
+      </p:sp>
+      <p:sp>
+        <p:nvSpPr>
+          <p:cNvPr id="34" name="TextBox 33">
+            <a:extLst>
+              <a:ext uri="{FF2B5EF4-FFF2-40B4-BE49-F238E27FC236}">
+                <a16:creationId xmlns:a16="http://schemas.microsoft.com/office/drawing/2014/main" id="{F3870576-DAF5-8648-8CB0-DA8AC7A202F3}"/>
+              </a:ext>
+            </a:extLst>
+          </p:cNvPr>
+          <p:cNvSpPr txBox="1"/>
+          <p:nvPr/>
+        </p:nvSpPr>
+        <p:spPr>
+          <a:xfrm>
+            <a:off x="4816913" y="1154741"/>
+            <a:ext cx="939546" cy="276999"/>
+          </a:xfrm>
+          <a:prstGeom prst="rect">
+            <a:avLst/>
+          </a:prstGeom>
+          <a:noFill/>
+        </p:spPr>
+        <p:txBody>
+          <a:bodyPr wrap="square" rtlCol="0">
+            <a:spAutoFit/>
+          </a:bodyPr>
+          <a:lstStyle/>
+          <a:p>
+            <a:pPr algn="ctr"/>
+            <a:r>
+              <a:rPr lang="en-US" sz="1200" dirty="0"/>
+              <a:t>video.mp4</a:t>
+            </a:r>
+          </a:p>
+        </p:txBody>
+      </p:sp>
+      <p:sp>
+        <p:nvSpPr>
+          <p:cNvPr id="35" name="TextBox 34">
+            <a:extLst>
+              <a:ext uri="{FF2B5EF4-FFF2-40B4-BE49-F238E27FC236}">
+                <a16:creationId xmlns:a16="http://schemas.microsoft.com/office/drawing/2014/main" id="{92B44A59-370F-674F-BBFE-75A8AD4A353E}"/>
+              </a:ext>
+            </a:extLst>
+          </p:cNvPr>
+          <p:cNvSpPr txBox="1"/>
+          <p:nvPr/>
+        </p:nvSpPr>
+        <p:spPr>
+          <a:xfrm>
+            <a:off x="2714823" y="4076942"/>
+            <a:ext cx="1668327" cy="313932"/>
+          </a:xfrm>
+          <a:prstGeom prst="rect">
+            <a:avLst/>
+          </a:prstGeom>
+          <a:ln>
+            <a:noFill/>
+          </a:ln>
+        </p:spPr>
+        <p:style>
+          <a:lnRef idx="2">
+            <a:schemeClr val="accent1"/>
+          </a:lnRef>
+          <a:fillRef idx="1">
+            <a:schemeClr val="lt1"/>
+          </a:fillRef>
+          <a:effectRef idx="0">
+            <a:schemeClr val="accent1"/>
+          </a:effectRef>
+          <a:fontRef idx="minor">
+            <a:schemeClr val="dk1"/>
+          </a:fontRef>
+        </p:style>
+        <p:txBody>
+          <a:bodyPr wrap="square" rtlCol="0">
+            <a:spAutoFit/>
+          </a:bodyPr>
+          <a:lstStyle/>
+          <a:p>
+            <a:pPr algn="ctr"/>
+            <a:r>
+              <a:rPr lang="en-US" sz="1440" dirty="0" err="1"/>
+              <a:t>PreviewSendThread</a:t>
+            </a:r>
+            <a:endParaRPr lang="en-US" sz="1440" dirty="0"/>
+          </a:p>
+        </p:txBody>
+      </p:sp>
+      <p:cxnSp>
+        <p:nvCxnSpPr>
+          <p:cNvPr id="41" name="Straight Arrow Connector 40">
+            <a:extLst>
+              <a:ext uri="{FF2B5EF4-FFF2-40B4-BE49-F238E27FC236}">
+                <a16:creationId xmlns:a16="http://schemas.microsoft.com/office/drawing/2014/main" id="{CFB5318D-AD02-C745-81E7-2AFA0921A604}"/>
+              </a:ext>
+            </a:extLst>
+          </p:cNvPr>
+          <p:cNvCxnSpPr>
+            <a:stCxn id="29" idx="2"/>
+            <a:endCxn id="35" idx="0"/>
+          </p:cNvCxnSpPr>
+          <p:nvPr/>
+        </p:nvCxnSpPr>
+        <p:spPr>
+          <a:xfrm>
+            <a:off x="3548987" y="3764807"/>
+            <a:ext cx="0" cy="312135"/>
+          </a:xfrm>
+          <a:prstGeom prst="straightConnector1">
+            <a:avLst/>
+          </a:prstGeom>
+          <a:ln>
+            <a:tailEnd type="triangle"/>
+          </a:ln>
+        </p:spPr>
+        <p:style>
+          <a:lnRef idx="1">
+            <a:schemeClr val="accent1"/>
+          </a:lnRef>
+          <a:fillRef idx="0">
+            <a:schemeClr val="accent1"/>
+          </a:fillRef>
+          <a:effectRef idx="0">
+            <a:schemeClr val="accent1"/>
+          </a:effectRef>
+          <a:fontRef idx="minor">
+            <a:schemeClr val="tx1"/>
+          </a:fontRef>
+        </p:style>
+      </p:cxnSp>
+      <p:cxnSp>
+        <p:nvCxnSpPr>
+          <p:cNvPr id="45" name="Straight Arrow Connector 44">
+            <a:extLst>
+              <a:ext uri="{FF2B5EF4-FFF2-40B4-BE49-F238E27FC236}">
+                <a16:creationId xmlns:a16="http://schemas.microsoft.com/office/drawing/2014/main" id="{8ADAAEC3-DB0F-F042-B0B5-2F6A7C25B224}"/>
+              </a:ext>
+            </a:extLst>
+          </p:cNvPr>
+          <p:cNvCxnSpPr>
+            <a:cxnSpLocks/>
+            <a:stCxn id="32" idx="1"/>
+            <a:endCxn id="30" idx="3"/>
+          </p:cNvCxnSpPr>
+          <p:nvPr/>
+        </p:nvCxnSpPr>
+        <p:spPr>
+          <a:xfrm flipH="1" flipV="1">
+            <a:off x="4237840" y="1853407"/>
+            <a:ext cx="648157" cy="3252"/>
+          </a:xfrm>
+          <a:prstGeom prst="straightConnector1">
+            <a:avLst/>
+          </a:prstGeom>
+          <a:ln>
+            <a:tailEnd type="triangle"/>
+          </a:ln>
+        </p:spPr>
+        <p:style>
+          <a:lnRef idx="1">
+            <a:schemeClr val="accent1"/>
+          </a:lnRef>
+          <a:fillRef idx="0">
+            <a:schemeClr val="accent1"/>
+          </a:fillRef>
+          <a:effectRef idx="0">
+            <a:schemeClr val="accent1"/>
+          </a:effectRef>
+          <a:fontRef idx="minor">
+            <a:schemeClr val="tx1"/>
+          </a:fontRef>
+        </p:style>
+      </p:cxnSp>
+      <p:cxnSp>
+        <p:nvCxnSpPr>
+          <p:cNvPr id="53" name="Straight Arrow Connector 52">
+            <a:extLst>
+              <a:ext uri="{FF2B5EF4-FFF2-40B4-BE49-F238E27FC236}">
+                <a16:creationId xmlns:a16="http://schemas.microsoft.com/office/drawing/2014/main" id="{482B1AF9-EBD2-5146-BF49-A688331E642C}"/>
+              </a:ext>
+            </a:extLst>
+          </p:cNvPr>
+          <p:cNvCxnSpPr>
+            <a:cxnSpLocks/>
+            <a:stCxn id="34" idx="2"/>
+            <a:endCxn id="32" idx="0"/>
+          </p:cNvCxnSpPr>
+          <p:nvPr/>
+        </p:nvCxnSpPr>
+        <p:spPr>
+          <a:xfrm>
+            <a:off x="5286686" y="1431740"/>
+            <a:ext cx="0" cy="267953"/>
+          </a:xfrm>
+          <a:prstGeom prst="straightConnector1">
+            <a:avLst/>
+          </a:prstGeom>
+          <a:ln>
+            <a:tailEnd type="triangle"/>
+          </a:ln>
+        </p:spPr>
+        <p:style>
+          <a:lnRef idx="1">
+            <a:schemeClr val="accent1"/>
+          </a:lnRef>
+          <a:fillRef idx="0">
+            <a:schemeClr val="accent1"/>
+          </a:fillRef>
+          <a:effectRef idx="0">
+            <a:schemeClr val="accent1"/>
+          </a:effectRef>
+          <a:fontRef idx="minor">
+            <a:schemeClr val="tx1"/>
+          </a:fontRef>
+        </p:style>
+      </p:cxnSp>
+      <p:cxnSp>
+        <p:nvCxnSpPr>
+          <p:cNvPr id="55" name="Straight Arrow Connector 54">
+            <a:extLst>
+              <a:ext uri="{FF2B5EF4-FFF2-40B4-BE49-F238E27FC236}">
+                <a16:creationId xmlns:a16="http://schemas.microsoft.com/office/drawing/2014/main" id="{A2BCD73A-02AB-6C4A-842B-F558ACAAA0F8}"/>
+              </a:ext>
+            </a:extLst>
+          </p:cNvPr>
+          <p:cNvCxnSpPr>
+            <a:cxnSpLocks/>
+            <a:stCxn id="25" idx="2"/>
+            <a:endCxn id="30" idx="0"/>
+          </p:cNvCxnSpPr>
+          <p:nvPr/>
+        </p:nvCxnSpPr>
+        <p:spPr>
+          <a:xfrm flipH="1">
+            <a:off x="3548989" y="1432230"/>
+            <a:ext cx="1114" cy="264211"/>
+          </a:xfrm>
+          <a:prstGeom prst="straightConnector1">
+            <a:avLst/>
+          </a:prstGeom>
+          <a:ln>
+            <a:tailEnd type="triangle"/>
+          </a:ln>
+        </p:spPr>
+        <p:style>
+          <a:lnRef idx="1">
+            <a:schemeClr val="accent1"/>
+          </a:lnRef>
+          <a:fillRef idx="0">
+            <a:schemeClr val="accent1"/>
+          </a:fillRef>
+          <a:effectRef idx="0">
+            <a:schemeClr val="accent1"/>
+          </a:effectRef>
+          <a:fontRef idx="minor">
+            <a:schemeClr val="tx1"/>
+          </a:fontRef>
+        </p:style>
+      </p:cxnSp>
+      <p:cxnSp>
+        <p:nvCxnSpPr>
+          <p:cNvPr id="67" name="Straight Arrow Connector 66">
+            <a:extLst>
+              <a:ext uri="{FF2B5EF4-FFF2-40B4-BE49-F238E27FC236}">
+                <a16:creationId xmlns:a16="http://schemas.microsoft.com/office/drawing/2014/main" id="{B0C5D50F-1BD8-D94E-B7F3-9C2AC43096D1}"/>
+              </a:ext>
+            </a:extLst>
+          </p:cNvPr>
+          <p:cNvCxnSpPr>
+            <a:cxnSpLocks/>
+            <a:stCxn id="13" idx="3"/>
+            <a:endCxn id="25" idx="1"/>
+          </p:cNvCxnSpPr>
+          <p:nvPr/>
+        </p:nvCxnSpPr>
+        <p:spPr>
+          <a:xfrm>
+            <a:off x="1783779" y="1293731"/>
+            <a:ext cx="972340" cy="0"/>
+          </a:xfrm>
+          <a:prstGeom prst="straightConnector1">
+            <a:avLst/>
+          </a:prstGeom>
+          <a:ln>
+            <a:tailEnd type="triangle"/>
+          </a:ln>
+        </p:spPr>
+        <p:style>
+          <a:lnRef idx="1">
+            <a:schemeClr val="accent1"/>
+          </a:lnRef>
+          <a:fillRef idx="0">
+            <a:schemeClr val="accent1"/>
+          </a:fillRef>
+          <a:effectRef idx="0">
+            <a:schemeClr val="accent1"/>
+          </a:effectRef>
+          <a:fontRef idx="minor">
+            <a:schemeClr val="tx1"/>
+          </a:fontRef>
+        </p:style>
+      </p:cxnSp>
+      <p:sp>
+        <p:nvSpPr>
+          <p:cNvPr id="75" name="TextBox 74">
+            <a:extLst>
+              <a:ext uri="{FF2B5EF4-FFF2-40B4-BE49-F238E27FC236}">
+                <a16:creationId xmlns:a16="http://schemas.microsoft.com/office/drawing/2014/main" id="{EEB299F4-FB25-7546-A4FA-4BFC3B7FE0F0}"/>
+              </a:ext>
+            </a:extLst>
+          </p:cNvPr>
+          <p:cNvSpPr txBox="1"/>
+          <p:nvPr/>
+        </p:nvSpPr>
+        <p:spPr>
+          <a:xfrm>
+            <a:off x="4656023" y="4076789"/>
+            <a:ext cx="1249842" cy="313932"/>
+          </a:xfrm>
+          <a:prstGeom prst="rect">
+            <a:avLst/>
+          </a:prstGeom>
+          <a:ln>
+            <a:noFill/>
+          </a:ln>
+        </p:spPr>
+        <p:style>
+          <a:lnRef idx="2">
+            <a:schemeClr val="accent1"/>
+          </a:lnRef>
+          <a:fillRef idx="1">
+            <a:schemeClr val="lt1"/>
+          </a:fillRef>
+          <a:effectRef idx="0">
+            <a:schemeClr val="accent1"/>
+          </a:effectRef>
+          <a:fontRef idx="minor">
+            <a:schemeClr val="dk1"/>
+          </a:fontRef>
+        </p:style>
+        <p:txBody>
+          <a:bodyPr wrap="square" rtlCol="0">
+            <a:spAutoFit/>
+          </a:bodyPr>
+          <a:lstStyle/>
+          <a:p>
+            <a:pPr algn="ctr"/>
+            <a:r>
+              <a:rPr lang="en-US" sz="1440" dirty="0"/>
+              <a:t>[named pipe]</a:t>
+            </a:r>
+          </a:p>
+        </p:txBody>
+      </p:sp>
+      <p:cxnSp>
+        <p:nvCxnSpPr>
+          <p:cNvPr id="81" name="Straight Arrow Connector 80">
+            <a:extLst>
+              <a:ext uri="{FF2B5EF4-FFF2-40B4-BE49-F238E27FC236}">
+                <a16:creationId xmlns:a16="http://schemas.microsoft.com/office/drawing/2014/main" id="{AE6D04D5-CBB5-0B41-9280-D4A6F663DE9C}"/>
+              </a:ext>
+            </a:extLst>
+          </p:cNvPr>
+          <p:cNvCxnSpPr>
+            <a:stCxn id="35" idx="3"/>
+            <a:endCxn id="75" idx="1"/>
+          </p:cNvCxnSpPr>
+          <p:nvPr/>
+        </p:nvCxnSpPr>
+        <p:spPr>
+          <a:xfrm flipV="1">
+            <a:off x="4383150" y="4233755"/>
+            <a:ext cx="272873" cy="153"/>
+          </a:xfrm>
+          <a:prstGeom prst="straightConnector1">
+            <a:avLst/>
+          </a:prstGeom>
+          <a:ln>
+            <a:tailEnd type="triangle"/>
+          </a:ln>
+        </p:spPr>
+        <p:style>
+          <a:lnRef idx="1">
+            <a:schemeClr val="accent1"/>
+          </a:lnRef>
+          <a:fillRef idx="0">
+            <a:schemeClr val="accent1"/>
+          </a:fillRef>
+          <a:effectRef idx="0">
+            <a:schemeClr val="accent1"/>
+          </a:effectRef>
+          <a:fontRef idx="minor">
+            <a:schemeClr val="tx1"/>
+          </a:fontRef>
+        </p:style>
+      </p:cxnSp>
+      <p:cxnSp>
+        <p:nvCxnSpPr>
+          <p:cNvPr id="42" name="Straight Arrow Connector 41">
+            <a:extLst>
+              <a:ext uri="{FF2B5EF4-FFF2-40B4-BE49-F238E27FC236}">
+                <a16:creationId xmlns:a16="http://schemas.microsoft.com/office/drawing/2014/main" id="{D203E293-0A61-724D-9D3E-F3EBA4D0213C}"/>
+              </a:ext>
+            </a:extLst>
+          </p:cNvPr>
+          <p:cNvCxnSpPr>
+            <a:cxnSpLocks/>
+            <a:stCxn id="30" idx="2"/>
+            <a:endCxn id="26" idx="0"/>
+          </p:cNvCxnSpPr>
+          <p:nvPr/>
+        </p:nvCxnSpPr>
+        <p:spPr>
+          <a:xfrm>
+            <a:off x="3548989" y="2010373"/>
+            <a:ext cx="0" cy="264211"/>
+          </a:xfrm>
+          <a:prstGeom prst="straightConnector1">
+            <a:avLst/>
+          </a:prstGeom>
+          <a:ln>
+            <a:tailEnd type="triangle"/>
+          </a:ln>
+        </p:spPr>
+        <p:style>
+          <a:lnRef idx="1">
+            <a:schemeClr val="accent1"/>
+          </a:lnRef>
+          <a:fillRef idx="0">
+            <a:schemeClr val="accent1"/>
+          </a:fillRef>
+          <a:effectRef idx="0">
+            <a:schemeClr val="accent1"/>
+          </a:effectRef>
+          <a:fontRef idx="minor">
+            <a:schemeClr val="tx1"/>
+          </a:fontRef>
+        </p:style>
+      </p:cxnSp>
+      <p:sp>
+        <p:nvSpPr>
+          <p:cNvPr id="68" name="TextBox 67">
+            <a:extLst>
+              <a:ext uri="{FF2B5EF4-FFF2-40B4-BE49-F238E27FC236}">
+                <a16:creationId xmlns:a16="http://schemas.microsoft.com/office/drawing/2014/main" id="{299E6D6E-6489-9F49-8E07-D4193F10AD81}"/>
+              </a:ext>
+            </a:extLst>
+          </p:cNvPr>
+          <p:cNvSpPr txBox="1"/>
+          <p:nvPr/>
+        </p:nvSpPr>
+        <p:spPr>
+          <a:xfrm>
+            <a:off x="2795817" y="2861741"/>
+            <a:ext cx="1506341" cy="313932"/>
+          </a:xfrm>
+          <a:prstGeom prst="rect">
+            <a:avLst/>
+          </a:prstGeom>
+          <a:ln>
+            <a:noFill/>
+          </a:ln>
+        </p:spPr>
+        <p:style>
+          <a:lnRef idx="2">
+            <a:schemeClr val="accent1"/>
+          </a:lnRef>
+          <a:fillRef idx="1">
+            <a:schemeClr val="lt1"/>
+          </a:fillRef>
+          <a:effectRef idx="0">
+            <a:schemeClr val="accent1"/>
+          </a:effectRef>
+          <a:fontRef idx="minor">
+            <a:schemeClr val="dk1"/>
+          </a:fontRef>
+        </p:style>
+        <p:txBody>
+          <a:bodyPr wrap="square" rtlCol="0">
+            <a:spAutoFit/>
+          </a:bodyPr>
+          <a:lstStyle/>
+          <a:p>
+            <a:pPr algn="ctr"/>
+            <a:r>
+              <a:rPr lang="en-US" sz="1440" dirty="0" err="1"/>
+              <a:t>ProjectorThread</a:t>
+            </a:r>
+            <a:endParaRPr lang="en-US" sz="1440" dirty="0"/>
+          </a:p>
+        </p:txBody>
+      </p:sp>
+      <p:cxnSp>
+        <p:nvCxnSpPr>
+          <p:cNvPr id="70" name="Straight Arrow Connector 69">
+            <a:extLst>
+              <a:ext uri="{FF2B5EF4-FFF2-40B4-BE49-F238E27FC236}">
+                <a16:creationId xmlns:a16="http://schemas.microsoft.com/office/drawing/2014/main" id="{0863BE30-3CBA-6543-928C-E5288AF7E1AB}"/>
+              </a:ext>
+            </a:extLst>
+          </p:cNvPr>
+          <p:cNvCxnSpPr>
+            <a:cxnSpLocks/>
+            <a:stCxn id="26" idx="2"/>
+            <a:endCxn id="68" idx="0"/>
+          </p:cNvCxnSpPr>
+          <p:nvPr/>
+        </p:nvCxnSpPr>
+        <p:spPr>
+          <a:xfrm flipH="1">
+            <a:off x="3548988" y="2551583"/>
+            <a:ext cx="1" cy="310158"/>
+          </a:xfrm>
+          <a:prstGeom prst="straightConnector1">
+            <a:avLst/>
+          </a:prstGeom>
+          <a:ln>
+            <a:tailEnd type="triangle"/>
+          </a:ln>
+        </p:spPr>
+        <p:style>
+          <a:lnRef idx="1">
+            <a:schemeClr val="accent1"/>
+          </a:lnRef>
+          <a:fillRef idx="0">
+            <a:schemeClr val="accent1"/>
+          </a:fillRef>
+          <a:effectRef idx="0">
+            <a:schemeClr val="accent1"/>
+          </a:effectRef>
+          <a:fontRef idx="minor">
+            <a:schemeClr val="tx1"/>
+          </a:fontRef>
+        </p:style>
+      </p:cxnSp>
+      <p:cxnSp>
+        <p:nvCxnSpPr>
+          <p:cNvPr id="74" name="Straight Arrow Connector 73">
+            <a:extLst>
+              <a:ext uri="{FF2B5EF4-FFF2-40B4-BE49-F238E27FC236}">
+                <a16:creationId xmlns:a16="http://schemas.microsoft.com/office/drawing/2014/main" id="{6F2B81DF-C74A-2244-B055-D21EDEED10B6}"/>
+              </a:ext>
+            </a:extLst>
+          </p:cNvPr>
+          <p:cNvCxnSpPr>
+            <a:cxnSpLocks/>
+            <a:stCxn id="68" idx="2"/>
+            <a:endCxn id="29" idx="0"/>
+          </p:cNvCxnSpPr>
+          <p:nvPr/>
+        </p:nvCxnSpPr>
+        <p:spPr>
+          <a:xfrm flipH="1">
+            <a:off x="3548987" y="3175673"/>
+            <a:ext cx="1" cy="312135"/>
+          </a:xfrm>
+          <a:prstGeom prst="straightConnector1">
+            <a:avLst/>
+          </a:prstGeom>
+          <a:ln>
+            <a:tailEnd type="triangle"/>
+          </a:ln>
+        </p:spPr>
+        <p:style>
+          <a:lnRef idx="1">
+            <a:schemeClr val="accent1"/>
+          </a:lnRef>
+          <a:fillRef idx="0">
+            <a:schemeClr val="accent1"/>
+          </a:fillRef>
+          <a:effectRef idx="0">
+            <a:schemeClr val="accent1"/>
+          </a:effectRef>
+          <a:fontRef idx="minor">
+            <a:schemeClr val="tx1"/>
+          </a:fontRef>
+        </p:style>
+      </p:cxnSp>
+      <p:cxnSp>
+        <p:nvCxnSpPr>
+          <p:cNvPr id="78" name="Straight Arrow Connector 77">
+            <a:extLst>
+              <a:ext uri="{FF2B5EF4-FFF2-40B4-BE49-F238E27FC236}">
+                <a16:creationId xmlns:a16="http://schemas.microsoft.com/office/drawing/2014/main" id="{3207B932-CDFA-4641-8FBD-D78743944747}"/>
+              </a:ext>
+            </a:extLst>
+          </p:cNvPr>
+          <p:cNvCxnSpPr>
+            <a:cxnSpLocks/>
+            <a:stCxn id="35" idx="2"/>
+          </p:cNvCxnSpPr>
+          <p:nvPr/>
+        </p:nvCxnSpPr>
+        <p:spPr>
+          <a:xfrm>
+            <a:off x="3548987" y="4390874"/>
+            <a:ext cx="0" cy="301896"/>
+          </a:xfrm>
+          <a:prstGeom prst="straightConnector1">
+            <a:avLst/>
+          </a:prstGeom>
+          <a:ln>
+            <a:tailEnd type="triangle"/>
+          </a:ln>
+        </p:spPr>
+        <p:style>
+          <a:lnRef idx="1">
+            <a:schemeClr val="accent1"/>
+          </a:lnRef>
+          <a:fillRef idx="0">
+            <a:schemeClr val="accent1"/>
+          </a:fillRef>
+          <a:effectRef idx="0">
+            <a:schemeClr val="accent1"/>
+          </a:effectRef>
+          <a:fontRef idx="minor">
+            <a:schemeClr val="tx1"/>
+          </a:fontRef>
+        </p:style>
+      </p:cxnSp>
+      <p:sp>
+        <p:nvSpPr>
+          <p:cNvPr id="83" name="TextBox 82">
+            <a:extLst>
+              <a:ext uri="{FF2B5EF4-FFF2-40B4-BE49-F238E27FC236}">
+                <a16:creationId xmlns:a16="http://schemas.microsoft.com/office/drawing/2014/main" id="{87BD313A-203A-DD4B-884D-E7C0266369E3}"/>
+              </a:ext>
+            </a:extLst>
+          </p:cNvPr>
+          <p:cNvSpPr txBox="1"/>
+          <p:nvPr/>
+        </p:nvSpPr>
+        <p:spPr>
+          <a:xfrm>
+            <a:off x="4840449" y="2861741"/>
+            <a:ext cx="880989" cy="313932"/>
+          </a:xfrm>
+          <a:prstGeom prst="rect">
+            <a:avLst/>
+          </a:prstGeom>
+          <a:ln>
+            <a:noFill/>
+          </a:ln>
+        </p:spPr>
+        <p:style>
+          <a:lnRef idx="2">
+            <a:schemeClr val="accent1"/>
+          </a:lnRef>
+          <a:fillRef idx="1">
+            <a:schemeClr val="lt1"/>
+          </a:fillRef>
+          <a:effectRef idx="0">
+            <a:schemeClr val="accent1"/>
+          </a:effectRef>
+          <a:fontRef idx="minor">
+            <a:schemeClr val="dk1"/>
+          </a:fontRef>
+        </p:style>
+        <p:txBody>
+          <a:bodyPr wrap="square" rtlCol="0">
+            <a:spAutoFit/>
+          </a:bodyPr>
+          <a:lstStyle/>
+          <a:p>
+            <a:pPr algn="ctr"/>
+            <a:r>
+              <a:rPr lang="en-US" sz="1440" dirty="0"/>
+              <a:t>Projector</a:t>
+            </a:r>
+          </a:p>
+        </p:txBody>
+      </p:sp>
+      <p:cxnSp>
+        <p:nvCxnSpPr>
+          <p:cNvPr id="84" name="Straight Arrow Connector 83">
+            <a:extLst>
+              <a:ext uri="{FF2B5EF4-FFF2-40B4-BE49-F238E27FC236}">
+                <a16:creationId xmlns:a16="http://schemas.microsoft.com/office/drawing/2014/main" id="{19DDD23B-E5AA-9043-8CE7-2E4141FA4929}"/>
+              </a:ext>
+            </a:extLst>
+          </p:cNvPr>
+          <p:cNvCxnSpPr>
+            <a:cxnSpLocks/>
+            <a:stCxn id="68" idx="3"/>
+            <a:endCxn id="83" idx="1"/>
+          </p:cNvCxnSpPr>
+          <p:nvPr/>
+        </p:nvCxnSpPr>
+        <p:spPr>
+          <a:xfrm>
+            <a:off x="4302158" y="3018707"/>
+            <a:ext cx="538291" cy="0"/>
+          </a:xfrm>
+          <a:prstGeom prst="straightConnector1">
+            <a:avLst/>
+          </a:prstGeom>
+          <a:ln>
+            <a:tailEnd type="triangle"/>
+          </a:ln>
+        </p:spPr>
+        <p:style>
+          <a:lnRef idx="1">
+            <a:schemeClr val="accent1"/>
+          </a:lnRef>
+          <a:fillRef idx="0">
+            <a:schemeClr val="accent1"/>
+          </a:fillRef>
+          <a:effectRef idx="0">
+            <a:schemeClr val="accent1"/>
+          </a:effectRef>
+          <a:fontRef idx="minor">
+            <a:schemeClr val="tx1"/>
+          </a:fontRef>
+        </p:style>
+      </p:cxnSp>
+    </p:spTree>
+    <p:extLst>
+      <p:ext uri="{BB962C8B-B14F-4D97-AF65-F5344CB8AC3E}">
+        <p14:creationId xmlns:p14="http://schemas.microsoft.com/office/powerpoint/2010/main" val="2394039886"/>
       </p:ext>
     </p:extLst>
   </p:cSld>

--- a/images/sources/Figures.pptx
+++ b/images/sources/Figures.pptx
@@ -252,7 +252,7 @@
           <a:p>
             <a:fld id="{ABA1301C-6566-064A-B087-31BADF3C1B3F}" type="datetimeFigureOut">
               <a:rPr lang="en-US" smtClean="0"/>
-              <a:t>5/23/21</a:t>
+              <a:t>6/13/21</a:t>
             </a:fld>
             <a:endParaRPr lang="en-US"/>
           </a:p>
@@ -422,7 +422,7 @@
           <a:p>
             <a:fld id="{ABA1301C-6566-064A-B087-31BADF3C1B3F}" type="datetimeFigureOut">
               <a:rPr lang="en-US" smtClean="0"/>
-              <a:t>5/23/21</a:t>
+              <a:t>6/13/21</a:t>
             </a:fld>
             <a:endParaRPr lang="en-US"/>
           </a:p>
@@ -602,7 +602,7 @@
           <a:p>
             <a:fld id="{ABA1301C-6566-064A-B087-31BADF3C1B3F}" type="datetimeFigureOut">
               <a:rPr lang="en-US" smtClean="0"/>
-              <a:t>5/23/21</a:t>
+              <a:t>6/13/21</a:t>
             </a:fld>
             <a:endParaRPr lang="en-US"/>
           </a:p>
@@ -772,7 +772,7 @@
           <a:p>
             <a:fld id="{ABA1301C-6566-064A-B087-31BADF3C1B3F}" type="datetimeFigureOut">
               <a:rPr lang="en-US" smtClean="0"/>
-              <a:t>5/23/21</a:t>
+              <a:t>6/13/21</a:t>
             </a:fld>
             <a:endParaRPr lang="en-US"/>
           </a:p>
@@ -1016,7 +1016,7 @@
           <a:p>
             <a:fld id="{ABA1301C-6566-064A-B087-31BADF3C1B3F}" type="datetimeFigureOut">
               <a:rPr lang="en-US" smtClean="0"/>
-              <a:t>5/23/21</a:t>
+              <a:t>6/13/21</a:t>
             </a:fld>
             <a:endParaRPr lang="en-US"/>
           </a:p>
@@ -1248,7 +1248,7 @@
           <a:p>
             <a:fld id="{ABA1301C-6566-064A-B087-31BADF3C1B3F}" type="datetimeFigureOut">
               <a:rPr lang="en-US" smtClean="0"/>
-              <a:t>5/23/21</a:t>
+              <a:t>6/13/21</a:t>
             </a:fld>
             <a:endParaRPr lang="en-US"/>
           </a:p>
@@ -1615,7 +1615,7 @@
           <a:p>
             <a:fld id="{ABA1301C-6566-064A-B087-31BADF3C1B3F}" type="datetimeFigureOut">
               <a:rPr lang="en-US" smtClean="0"/>
-              <a:t>5/23/21</a:t>
+              <a:t>6/13/21</a:t>
             </a:fld>
             <a:endParaRPr lang="en-US"/>
           </a:p>
@@ -1733,7 +1733,7 @@
           <a:p>
             <a:fld id="{ABA1301C-6566-064A-B087-31BADF3C1B3F}" type="datetimeFigureOut">
               <a:rPr lang="en-US" smtClean="0"/>
-              <a:t>5/23/21</a:t>
+              <a:t>6/13/21</a:t>
             </a:fld>
             <a:endParaRPr lang="en-US"/>
           </a:p>
@@ -1828,7 +1828,7 @@
           <a:p>
             <a:fld id="{ABA1301C-6566-064A-B087-31BADF3C1B3F}" type="datetimeFigureOut">
               <a:rPr lang="en-US" smtClean="0"/>
-              <a:t>5/23/21</a:t>
+              <a:t>6/13/21</a:t>
             </a:fld>
             <a:endParaRPr lang="en-US"/>
           </a:p>
@@ -2105,7 +2105,7 @@
           <a:p>
             <a:fld id="{ABA1301C-6566-064A-B087-31BADF3C1B3F}" type="datetimeFigureOut">
               <a:rPr lang="en-US" smtClean="0"/>
-              <a:t>5/23/21</a:t>
+              <a:t>6/13/21</a:t>
             </a:fld>
             <a:endParaRPr lang="en-US"/>
           </a:p>
@@ -2362,7 +2362,7 @@
           <a:p>
             <a:fld id="{ABA1301C-6566-064A-B087-31BADF3C1B3F}" type="datetimeFigureOut">
               <a:rPr lang="en-US" smtClean="0"/>
-              <a:t>5/23/21</a:t>
+              <a:t>6/13/21</a:t>
             </a:fld>
             <a:endParaRPr lang="en-US"/>
           </a:p>
@@ -2575,7 +2575,7 @@
           <a:p>
             <a:fld id="{ABA1301C-6566-064A-B087-31BADF3C1B3F}" type="datetimeFigureOut">
               <a:rPr lang="en-US" smtClean="0"/>
-              <a:t>5/23/21</a:t>
+              <a:t>6/13/21</a:t>
             </a:fld>
             <a:endParaRPr lang="en-US"/>
           </a:p>
@@ -3048,9 +3048,9 @@
         <p:grpSpPr>
           <a:xfrm>
             <a:off x="5144998" y="543766"/>
-            <a:ext cx="1804440" cy="1716539"/>
+            <a:ext cx="1804440" cy="1681422"/>
             <a:chOff x="5278002" y="502197"/>
-            <a:chExt cx="1804440" cy="1716539"/>
+            <a:chExt cx="1804440" cy="1681422"/>
           </a:xfrm>
         </p:grpSpPr>
         <p:sp>
@@ -3127,12 +3127,20 @@
           </p:blipFill>
           <p:spPr>
             <a:xfrm>
-              <a:off x="5278002" y="888158"/>
-              <a:ext cx="1804440" cy="1330578"/>
+              <a:off x="5278002" y="923274"/>
+              <a:ext cx="1804440" cy="1260345"/>
             </a:xfrm>
             <a:prstGeom prst="rect">
               <a:avLst/>
             </a:prstGeom>
+            <a:ln>
+              <a:solidFill>
+                <a:schemeClr val="tx1">
+                  <a:lumMod val="50000"/>
+                  <a:lumOff val="50000"/>
+                </a:schemeClr>
+              </a:solidFill>
+            </a:ln>
           </p:spPr>
         </p:pic>
       </p:grpSp>
@@ -3494,8 +3502,8 @@
         </p:nvSpPr>
         <p:spPr>
           <a:xfrm>
-            <a:off x="2788373" y="2274584"/>
-            <a:ext cx="1521231" cy="276999"/>
+            <a:off x="2719518" y="2281066"/>
+            <a:ext cx="1658936" cy="276999"/>
           </a:xfrm>
           <a:prstGeom prst="rect">
             <a:avLst/>
@@ -3511,7 +3519,7 @@
             <a:pPr algn="ctr"/>
             <a:r>
               <a:rPr lang="en-US" sz="1200" dirty="0" err="1"/>
-              <a:t>previewFrameQueue</a:t>
+              <a:t>pendingPreviewQueue</a:t>
             </a:r>
             <a:endParaRPr lang="en-US" sz="1200" dirty="0"/>
           </a:p>
@@ -3770,7 +3778,7 @@
         <p:spPr>
           <a:xfrm>
             <a:off x="3548986" y="2013625"/>
-            <a:ext cx="3" cy="260959"/>
+            <a:ext cx="0" cy="267441"/>
           </a:xfrm>
           <a:prstGeom prst="straightConnector1">
             <a:avLst/>
@@ -3811,9 +3819,9 @@
           <p:nvPr/>
         </p:nvCxnSpPr>
         <p:spPr>
-          <a:xfrm flipH="1">
-            <a:off x="3548986" y="2551583"/>
-            <a:ext cx="3" cy="310158"/>
+          <a:xfrm>
+            <a:off x="3548986" y="2558065"/>
+            <a:ext cx="0" cy="303676"/>
           </a:xfrm>
           <a:prstGeom prst="straightConnector1">
             <a:avLst/>
@@ -4195,6 +4203,14 @@
             <a:prstGeom prst="rect">
               <a:avLst/>
             </a:prstGeom>
+            <a:ln>
+              <a:solidFill>
+                <a:schemeClr val="tx1">
+                  <a:lumMod val="50000"/>
+                  <a:lumOff val="50000"/>
+                </a:schemeClr>
+              </a:solidFill>
+            </a:ln>
           </p:spPr>
         </p:pic>
       </p:grpSp>
@@ -4213,9 +4229,9 @@
         <p:grpSpPr>
           <a:xfrm>
             <a:off x="5144998" y="543766"/>
-            <a:ext cx="1804440" cy="1716539"/>
+            <a:ext cx="1804440" cy="1680359"/>
             <a:chOff x="5278002" y="502197"/>
-            <a:chExt cx="1804440" cy="1716539"/>
+            <a:chExt cx="1804440" cy="1680359"/>
           </a:xfrm>
         </p:grpSpPr>
         <p:sp>
@@ -4292,12 +4308,20 @@
           </p:blipFill>
           <p:spPr>
             <a:xfrm>
-              <a:off x="5278002" y="888158"/>
-              <a:ext cx="1804440" cy="1330578"/>
+              <a:off x="5278002" y="924337"/>
+              <a:ext cx="1804440" cy="1258219"/>
             </a:xfrm>
             <a:prstGeom prst="rect">
               <a:avLst/>
             </a:prstGeom>
+            <a:ln>
+              <a:solidFill>
+                <a:schemeClr val="tx1">
+                  <a:lumMod val="50000"/>
+                  <a:lumOff val="50000"/>
+                </a:schemeClr>
+              </a:solidFill>
+            </a:ln>
           </p:spPr>
         </p:pic>
       </p:grpSp>
@@ -4843,9 +4867,9 @@
         <p:grpSpPr>
           <a:xfrm>
             <a:off x="5144998" y="543766"/>
-            <a:ext cx="1804440" cy="1716539"/>
+            <a:ext cx="1804440" cy="1680359"/>
             <a:chOff x="5278002" y="502197"/>
-            <a:chExt cx="1804440" cy="1716539"/>
+            <a:chExt cx="1804440" cy="1680359"/>
           </a:xfrm>
         </p:grpSpPr>
         <p:sp>
@@ -4922,12 +4946,20 @@
           </p:blipFill>
           <p:spPr>
             <a:xfrm>
-              <a:off x="5278002" y="888158"/>
-              <a:ext cx="1804440" cy="1330578"/>
+              <a:off x="5278002" y="924337"/>
+              <a:ext cx="1804440" cy="1258219"/>
             </a:xfrm>
             <a:prstGeom prst="rect">
               <a:avLst/>
             </a:prstGeom>
+            <a:ln>
+              <a:solidFill>
+                <a:schemeClr val="tx1">
+                  <a:lumMod val="50000"/>
+                  <a:lumOff val="50000"/>
+                </a:schemeClr>
+              </a:solidFill>
+            </a:ln>
           </p:spPr>
         </p:pic>
       </p:grpSp>
@@ -5038,6 +5070,14 @@
             <a:prstGeom prst="rect">
               <a:avLst/>
             </a:prstGeom>
+            <a:ln>
+              <a:solidFill>
+                <a:schemeClr val="tx1">
+                  <a:lumMod val="50000"/>
+                  <a:lumOff val="50000"/>
+                </a:schemeClr>
+              </a:solidFill>
+            </a:ln>
           </p:spPr>
         </p:pic>
       </p:grpSp>
@@ -5404,9 +5444,9 @@
         <p:grpSpPr>
           <a:xfrm>
             <a:off x="5144998" y="543766"/>
-            <a:ext cx="1804440" cy="1716539"/>
+            <a:ext cx="1804440" cy="1679297"/>
             <a:chOff x="5278002" y="502197"/>
-            <a:chExt cx="1804440" cy="1716539"/>
+            <a:chExt cx="1804440" cy="1679297"/>
           </a:xfrm>
         </p:grpSpPr>
         <p:sp>
@@ -5483,12 +5523,20 @@
           </p:blipFill>
           <p:spPr>
             <a:xfrm>
-              <a:off x="5278002" y="888158"/>
-              <a:ext cx="1804440" cy="1330578"/>
+              <a:off x="5278002" y="925400"/>
+              <a:ext cx="1804440" cy="1256094"/>
             </a:xfrm>
             <a:prstGeom prst="rect">
               <a:avLst/>
             </a:prstGeom>
+            <a:ln>
+              <a:solidFill>
+                <a:schemeClr val="tx1">
+                  <a:lumMod val="50000"/>
+                  <a:lumOff val="50000"/>
+                </a:schemeClr>
+              </a:solidFill>
+            </a:ln>
           </p:spPr>
         </p:pic>
       </p:grpSp>
@@ -5599,6 +5647,14 @@
             <a:prstGeom prst="rect">
               <a:avLst/>
             </a:prstGeom>
+            <a:ln>
+              <a:solidFill>
+                <a:schemeClr val="tx1">
+                  <a:lumMod val="50000"/>
+                  <a:lumOff val="50000"/>
+                </a:schemeClr>
+              </a:solidFill>
+            </a:ln>
           </p:spPr>
         </p:pic>
       </p:grpSp>
@@ -5984,12 +6040,20 @@
           </p:blipFill>
           <p:spPr>
             <a:xfrm>
-              <a:off x="5278002" y="888158"/>
-              <a:ext cx="1804440" cy="1330578"/>
+              <a:off x="5520551" y="888158"/>
+              <a:ext cx="1319340" cy="1330578"/>
             </a:xfrm>
             <a:prstGeom prst="rect">
               <a:avLst/>
             </a:prstGeom>
+            <a:ln>
+              <a:solidFill>
+                <a:schemeClr val="tx1">
+                  <a:lumMod val="50000"/>
+                  <a:lumOff val="50000"/>
+                </a:schemeClr>
+              </a:solidFill>
+            </a:ln>
           </p:spPr>
         </p:pic>
       </p:grpSp>
@@ -6247,12 +6311,20 @@
           </p:blipFill>
           <p:spPr>
             <a:xfrm>
-              <a:off x="5278002" y="888158"/>
-              <a:ext cx="1804440" cy="1330578"/>
+              <a:off x="5518310" y="888158"/>
+              <a:ext cx="1323823" cy="1330578"/>
             </a:xfrm>
             <a:prstGeom prst="rect">
               <a:avLst/>
             </a:prstGeom>
+            <a:ln>
+              <a:solidFill>
+                <a:schemeClr val="tx1">
+                  <a:lumMod val="50000"/>
+                  <a:lumOff val="50000"/>
+                </a:schemeClr>
+              </a:solidFill>
+            </a:ln>
           </p:spPr>
         </p:pic>
       </p:grpSp>
@@ -6363,6 +6435,14 @@
             <a:prstGeom prst="rect">
               <a:avLst/>
             </a:prstGeom>
+            <a:ln>
+              <a:solidFill>
+                <a:schemeClr val="tx1">
+                  <a:lumMod val="50000"/>
+                  <a:lumOff val="50000"/>
+                </a:schemeClr>
+              </a:solidFill>
+            </a:ln>
           </p:spPr>
         </p:pic>
       </p:grpSp>
@@ -6828,12 +6908,20 @@
           </p:blipFill>
           <p:spPr>
             <a:xfrm>
-              <a:off x="5278002" y="888158"/>
-              <a:ext cx="1804440" cy="1330578"/>
+              <a:off x="5521664" y="888158"/>
+              <a:ext cx="1317115" cy="1330578"/>
             </a:xfrm>
             <a:prstGeom prst="rect">
               <a:avLst/>
             </a:prstGeom>
+            <a:ln>
+              <a:solidFill>
+                <a:schemeClr val="tx1">
+                  <a:lumMod val="50000"/>
+                  <a:lumOff val="50000"/>
+                </a:schemeClr>
+              </a:solidFill>
+            </a:ln>
           </p:spPr>
         </p:pic>
       </p:grpSp>
@@ -6944,6 +7032,14 @@
             <a:prstGeom prst="rect">
               <a:avLst/>
             </a:prstGeom>
+            <a:ln>
+              <a:solidFill>
+                <a:schemeClr val="tx1">
+                  <a:lumMod val="50000"/>
+                  <a:lumOff val="50000"/>
+                </a:schemeClr>
+              </a:solidFill>
+            </a:ln>
           </p:spPr>
         </p:pic>
       </p:grpSp>
@@ -7738,7 +7834,7 @@
             <a:pPr algn="ctr"/>
             <a:r>
               <a:rPr lang="en-US" sz="1200" dirty="0" err="1"/>
-              <a:t>pendingPreviewQueue</a:t>
+              <a:t>previewFrameQueue</a:t>
             </a:r>
             <a:endParaRPr lang="en-US" sz="1200" dirty="0"/>
           </a:p>
@@ -8909,7 +9005,7 @@
             <a:pPr algn="ctr"/>
             <a:r>
               <a:rPr lang="en-US" sz="1200" dirty="0" err="1"/>
-              <a:t>pendingPreviewQueue</a:t>
+              <a:t>previewFrameQueue</a:t>
             </a:r>
             <a:endParaRPr lang="en-US" sz="1200" dirty="0"/>
           </a:p>

--- a/images/sources/Figures.pptx
+++ b/images/sources/Figures.pptx
@@ -15,6 +15,7 @@
     <p:sldId id="263" r:id="rId9"/>
     <p:sldId id="264" r:id="rId10"/>
     <p:sldId id="265" r:id="rId11"/>
+    <p:sldId id="266" r:id="rId12"/>
   </p:sldIdLst>
   <p:sldSz cx="9144000" cy="6858000" type="screen4x3"/>
   <p:notesSz cx="6858000" cy="9144000"/>
@@ -3977,6 +3978,645 @@
 </p:sld>
 </file>
 
+<file path=ppt/slides/slide11.xml><?xml version="1.0" encoding="utf-8"?>
+<p:sld xmlns:a="http://schemas.openxmlformats.org/drawingml/2006/main" xmlns:r="http://schemas.openxmlformats.org/officeDocument/2006/relationships" xmlns:p="http://schemas.openxmlformats.org/presentationml/2006/main">
+  <p:cSld>
+    <p:spTree>
+      <p:nvGrpSpPr>
+        <p:cNvPr id="1" name=""/>
+        <p:cNvGrpSpPr/>
+        <p:nvPr/>
+      </p:nvGrpSpPr>
+      <p:grpSpPr>
+        <a:xfrm>
+          <a:off x="0" y="0"/>
+          <a:ext cx="0" cy="0"/>
+          <a:chOff x="0" y="0"/>
+          <a:chExt cx="0" cy="0"/>
+        </a:xfrm>
+      </p:grpSpPr>
+      <p:sp>
+        <p:nvSpPr>
+          <p:cNvPr id="6" name="Rounded Rectangle 5">
+            <a:extLst>
+              <a:ext uri="{FF2B5EF4-FFF2-40B4-BE49-F238E27FC236}">
+                <a16:creationId xmlns:a16="http://schemas.microsoft.com/office/drawing/2014/main" id="{F1467E3C-070F-3440-BA64-FCB10ABBC2C4}"/>
+              </a:ext>
+            </a:extLst>
+          </p:cNvPr>
+          <p:cNvSpPr/>
+          <p:nvPr/>
+        </p:nvSpPr>
+        <p:spPr>
+          <a:xfrm>
+            <a:off x="1579417" y="2310937"/>
+            <a:ext cx="2202872" cy="1745673"/>
+          </a:xfrm>
+          <a:prstGeom prst="roundRect">
+            <a:avLst>
+              <a:gd name="adj" fmla="val 3278"/>
+            </a:avLst>
+          </a:prstGeom>
+        </p:spPr>
+        <p:style>
+          <a:lnRef idx="2">
+            <a:schemeClr val="dk1"/>
+          </a:lnRef>
+          <a:fillRef idx="1">
+            <a:schemeClr val="lt1"/>
+          </a:fillRef>
+          <a:effectRef idx="0">
+            <a:schemeClr val="dk1"/>
+          </a:effectRef>
+          <a:fontRef idx="minor">
+            <a:schemeClr val="dk1"/>
+          </a:fontRef>
+        </p:style>
+        <p:txBody>
+          <a:bodyPr rtlCol="0" anchor="ctr"/>
+          <a:lstStyle/>
+          <a:p>
+            <a:pPr algn="ctr"/>
+            <a:endParaRPr lang="en-US"/>
+          </a:p>
+        </p:txBody>
+      </p:sp>
+      <p:sp>
+        <p:nvSpPr>
+          <p:cNvPr id="4" name="TextBox 3">
+            <a:extLst>
+              <a:ext uri="{FF2B5EF4-FFF2-40B4-BE49-F238E27FC236}">
+                <a16:creationId xmlns:a16="http://schemas.microsoft.com/office/drawing/2014/main" id="{217B6819-67F1-0D4C-995E-4F3192D08698}"/>
+              </a:ext>
+            </a:extLst>
+          </p:cNvPr>
+          <p:cNvSpPr txBox="1"/>
+          <p:nvPr/>
+        </p:nvSpPr>
+        <p:spPr>
+          <a:xfrm>
+            <a:off x="2038695" y="2569645"/>
+            <a:ext cx="1284316" cy="535531"/>
+          </a:xfrm>
+          <a:prstGeom prst="rect">
+            <a:avLst/>
+          </a:prstGeom>
+          <a:ln>
+            <a:noFill/>
+          </a:ln>
+        </p:spPr>
+        <p:style>
+          <a:lnRef idx="2">
+            <a:schemeClr val="accent1"/>
+          </a:lnRef>
+          <a:fillRef idx="1">
+            <a:schemeClr val="lt1"/>
+          </a:fillRef>
+          <a:effectRef idx="0">
+            <a:schemeClr val="accent1"/>
+          </a:effectRef>
+          <a:fontRef idx="minor">
+            <a:schemeClr val="dk1"/>
+          </a:fontRef>
+        </p:style>
+        <p:txBody>
+          <a:bodyPr wrap="square" rtlCol="0">
+            <a:spAutoFit/>
+          </a:bodyPr>
+          <a:lstStyle/>
+          <a:p>
+            <a:pPr algn="ctr"/>
+            <a:r>
+              <a:rPr lang="en-US" sz="1440" dirty="0" err="1"/>
+              <a:t>EyeCandy</a:t>
+            </a:r>
+            <a:endParaRPr lang="en-US" sz="1440" dirty="0"/>
+          </a:p>
+          <a:p>
+            <a:pPr algn="ctr"/>
+            <a:r>
+              <a:rPr lang="en-US" sz="1440" dirty="0"/>
+              <a:t>Computer</a:t>
+            </a:r>
+          </a:p>
+        </p:txBody>
+      </p:sp>
+      <p:sp>
+        <p:nvSpPr>
+          <p:cNvPr id="7" name="Rounded Rectangle 6">
+            <a:extLst>
+              <a:ext uri="{FF2B5EF4-FFF2-40B4-BE49-F238E27FC236}">
+                <a16:creationId xmlns:a16="http://schemas.microsoft.com/office/drawing/2014/main" id="{0446CABC-C3E7-9E47-BF35-9176906869F3}"/>
+              </a:ext>
+            </a:extLst>
+          </p:cNvPr>
+          <p:cNvSpPr/>
+          <p:nvPr/>
+        </p:nvSpPr>
+        <p:spPr>
+          <a:xfrm>
+            <a:off x="2457795" y="3363884"/>
+            <a:ext cx="1324494" cy="692727"/>
+          </a:xfrm>
+          <a:prstGeom prst="roundRect">
+            <a:avLst>
+              <a:gd name="adj" fmla="val 3278"/>
+            </a:avLst>
+          </a:prstGeom>
+        </p:spPr>
+        <p:style>
+          <a:lnRef idx="2">
+            <a:schemeClr val="dk1"/>
+          </a:lnRef>
+          <a:fillRef idx="1">
+            <a:schemeClr val="lt1"/>
+          </a:fillRef>
+          <a:effectRef idx="0">
+            <a:schemeClr val="dk1"/>
+          </a:effectRef>
+          <a:fontRef idx="minor">
+            <a:schemeClr val="dk1"/>
+          </a:fontRef>
+        </p:style>
+        <p:txBody>
+          <a:bodyPr rtlCol="0" anchor="ctr"/>
+          <a:lstStyle/>
+          <a:p>
+            <a:pPr algn="ctr"/>
+            <a:endParaRPr lang="en-US"/>
+          </a:p>
+        </p:txBody>
+      </p:sp>
+      <p:sp>
+        <p:nvSpPr>
+          <p:cNvPr id="8" name="TextBox 7">
+            <a:extLst>
+              <a:ext uri="{FF2B5EF4-FFF2-40B4-BE49-F238E27FC236}">
+                <a16:creationId xmlns:a16="http://schemas.microsoft.com/office/drawing/2014/main" id="{87195615-4664-1743-A23B-8EE304F1E1C4}"/>
+              </a:ext>
+            </a:extLst>
+          </p:cNvPr>
+          <p:cNvSpPr txBox="1"/>
+          <p:nvPr/>
+        </p:nvSpPr>
+        <p:spPr>
+          <a:xfrm>
+            <a:off x="2554083" y="3553281"/>
+            <a:ext cx="1131917" cy="313932"/>
+          </a:xfrm>
+          <a:prstGeom prst="rect">
+            <a:avLst/>
+          </a:prstGeom>
+          <a:ln>
+            <a:noFill/>
+          </a:ln>
+        </p:spPr>
+        <p:style>
+          <a:lnRef idx="2">
+            <a:schemeClr val="accent1"/>
+          </a:lnRef>
+          <a:fillRef idx="1">
+            <a:schemeClr val="lt1"/>
+          </a:fillRef>
+          <a:effectRef idx="0">
+            <a:schemeClr val="accent1"/>
+          </a:effectRef>
+          <a:fontRef idx="minor">
+            <a:schemeClr val="dk1"/>
+          </a:fontRef>
+        </p:style>
+        <p:txBody>
+          <a:bodyPr wrap="square" rtlCol="0">
+            <a:spAutoFit/>
+          </a:bodyPr>
+          <a:lstStyle/>
+          <a:p>
+            <a:pPr algn="ctr"/>
+            <a:r>
+              <a:rPr lang="en-US" sz="1440" dirty="0"/>
+              <a:t>Timing card</a:t>
+            </a:r>
+          </a:p>
+        </p:txBody>
+      </p:sp>
+      <p:pic>
+        <p:nvPicPr>
+          <p:cNvPr id="10" name="Graphic 9">
+            <a:extLst>
+              <a:ext uri="{FF2B5EF4-FFF2-40B4-BE49-F238E27FC236}">
+                <a16:creationId xmlns:a16="http://schemas.microsoft.com/office/drawing/2014/main" id="{69305DB0-48E3-1641-8CF1-682BEF781E1F}"/>
+              </a:ext>
+            </a:extLst>
+          </p:cNvPr>
+          <p:cNvPicPr>
+            <a:picLocks noChangeAspect="1"/>
+          </p:cNvPicPr>
+          <p:nvPr/>
+        </p:nvPicPr>
+        <p:blipFill>
+          <a:blip r:embed="rId2">
+            <a:extLst>
+              <a:ext uri="{96DAC541-7B7A-43D3-8B79-37D633B846F1}">
+                <asvg:svgBlip xmlns:asvg="http://schemas.microsoft.com/office/drawing/2016/SVG/main" r:embed="rId3"/>
+              </a:ext>
+            </a:extLst>
+          </a:blip>
+          <a:stretch>
+            <a:fillRect/>
+          </a:stretch>
+        </p:blipFill>
+        <p:spPr>
+          <a:xfrm>
+            <a:off x="4709486" y="2209425"/>
+            <a:ext cx="1052947" cy="1052947"/>
+          </a:xfrm>
+          <a:prstGeom prst="rect">
+            <a:avLst/>
+          </a:prstGeom>
+        </p:spPr>
+      </p:pic>
+      <p:sp>
+        <p:nvSpPr>
+          <p:cNvPr id="11" name="TextBox 10">
+            <a:extLst>
+              <a:ext uri="{FF2B5EF4-FFF2-40B4-BE49-F238E27FC236}">
+                <a16:creationId xmlns:a16="http://schemas.microsoft.com/office/drawing/2014/main" id="{85E06032-45DB-AF46-96D7-9755C712A77F}"/>
+              </a:ext>
+            </a:extLst>
+          </p:cNvPr>
+          <p:cNvSpPr txBox="1"/>
+          <p:nvPr/>
+        </p:nvSpPr>
+        <p:spPr>
+          <a:xfrm>
+            <a:off x="4665020" y="3223792"/>
+            <a:ext cx="1131917" cy="313932"/>
+          </a:xfrm>
+          <a:prstGeom prst="rect">
+            <a:avLst/>
+          </a:prstGeom>
+          <a:ln>
+            <a:noFill/>
+          </a:ln>
+        </p:spPr>
+        <p:style>
+          <a:lnRef idx="2">
+            <a:schemeClr val="accent1"/>
+          </a:lnRef>
+          <a:fillRef idx="1">
+            <a:schemeClr val="lt1"/>
+          </a:fillRef>
+          <a:effectRef idx="0">
+            <a:schemeClr val="accent1"/>
+          </a:effectRef>
+          <a:fontRef idx="minor">
+            <a:schemeClr val="dk1"/>
+          </a:fontRef>
+        </p:style>
+        <p:txBody>
+          <a:bodyPr wrap="square" rtlCol="0">
+            <a:spAutoFit/>
+          </a:bodyPr>
+          <a:lstStyle/>
+          <a:p>
+            <a:pPr algn="ctr"/>
+            <a:r>
+              <a:rPr lang="en-US" sz="1440" dirty="0"/>
+              <a:t>Projector</a:t>
+            </a:r>
+          </a:p>
+        </p:txBody>
+      </p:sp>
+      <p:cxnSp>
+        <p:nvCxnSpPr>
+          <p:cNvPr id="13" name="Straight Connector 12">
+            <a:extLst>
+              <a:ext uri="{FF2B5EF4-FFF2-40B4-BE49-F238E27FC236}">
+                <a16:creationId xmlns:a16="http://schemas.microsoft.com/office/drawing/2014/main" id="{98CEFAB8-D18A-BD4B-9B4B-30A0AD73E877}"/>
+              </a:ext>
+            </a:extLst>
+          </p:cNvPr>
+          <p:cNvCxnSpPr>
+            <a:cxnSpLocks/>
+          </p:cNvCxnSpPr>
+          <p:nvPr/>
+        </p:nvCxnSpPr>
+        <p:spPr>
+          <a:xfrm>
+            <a:off x="3847853" y="2975956"/>
+            <a:ext cx="913929" cy="0"/>
+          </a:xfrm>
+          <a:prstGeom prst="line">
+            <a:avLst/>
+          </a:prstGeom>
+          <a:ln w="19050">
+            <a:solidFill>
+              <a:schemeClr val="tx1">
+                <a:lumMod val="75000"/>
+                <a:lumOff val="25000"/>
+              </a:schemeClr>
+            </a:solidFill>
+            <a:prstDash val="dash"/>
+          </a:ln>
+        </p:spPr>
+        <p:style>
+          <a:lnRef idx="1">
+            <a:schemeClr val="accent1"/>
+          </a:lnRef>
+          <a:fillRef idx="0">
+            <a:schemeClr val="accent1"/>
+          </a:fillRef>
+          <a:effectRef idx="0">
+            <a:schemeClr val="accent1"/>
+          </a:effectRef>
+          <a:fontRef idx="minor">
+            <a:schemeClr val="tx1"/>
+          </a:fontRef>
+        </p:style>
+      </p:cxnSp>
+      <p:sp>
+        <p:nvSpPr>
+          <p:cNvPr id="16" name="Rounded Rectangle 15">
+            <a:extLst>
+              <a:ext uri="{FF2B5EF4-FFF2-40B4-BE49-F238E27FC236}">
+                <a16:creationId xmlns:a16="http://schemas.microsoft.com/office/drawing/2014/main" id="{58C8BF86-1E64-8C49-8966-6473BA399A29}"/>
+              </a:ext>
+            </a:extLst>
+          </p:cNvPr>
+          <p:cNvSpPr/>
+          <p:nvPr/>
+        </p:nvSpPr>
+        <p:spPr>
+          <a:xfrm>
+            <a:off x="6548074" y="2569645"/>
+            <a:ext cx="1465866" cy="692727"/>
+          </a:xfrm>
+          <a:prstGeom prst="roundRect">
+            <a:avLst>
+              <a:gd name="adj" fmla="val 3278"/>
+            </a:avLst>
+          </a:prstGeom>
+        </p:spPr>
+        <p:style>
+          <a:lnRef idx="2">
+            <a:schemeClr val="dk1"/>
+          </a:lnRef>
+          <a:fillRef idx="1">
+            <a:schemeClr val="lt1"/>
+          </a:fillRef>
+          <a:effectRef idx="0">
+            <a:schemeClr val="dk1"/>
+          </a:effectRef>
+          <a:fontRef idx="minor">
+            <a:schemeClr val="dk1"/>
+          </a:fontRef>
+        </p:style>
+        <p:txBody>
+          <a:bodyPr rtlCol="0" anchor="ctr"/>
+          <a:lstStyle/>
+          <a:p>
+            <a:pPr algn="ctr"/>
+            <a:endParaRPr lang="en-US"/>
+          </a:p>
+        </p:txBody>
+      </p:sp>
+      <p:sp>
+        <p:nvSpPr>
+          <p:cNvPr id="17" name="TextBox 16">
+            <a:extLst>
+              <a:ext uri="{FF2B5EF4-FFF2-40B4-BE49-F238E27FC236}">
+                <a16:creationId xmlns:a16="http://schemas.microsoft.com/office/drawing/2014/main" id="{DCEEEF31-8722-0B47-910C-C0E0C24BF65B}"/>
+              </a:ext>
+            </a:extLst>
+          </p:cNvPr>
+          <p:cNvSpPr txBox="1"/>
+          <p:nvPr/>
+        </p:nvSpPr>
+        <p:spPr>
+          <a:xfrm>
+            <a:off x="6626410" y="2759042"/>
+            <a:ext cx="1309193" cy="313932"/>
+          </a:xfrm>
+          <a:prstGeom prst="rect">
+            <a:avLst/>
+          </a:prstGeom>
+          <a:ln>
+            <a:noFill/>
+          </a:ln>
+        </p:spPr>
+        <p:style>
+          <a:lnRef idx="2">
+            <a:schemeClr val="accent1"/>
+          </a:lnRef>
+          <a:fillRef idx="1">
+            <a:schemeClr val="lt1"/>
+          </a:fillRef>
+          <a:effectRef idx="0">
+            <a:schemeClr val="accent1"/>
+          </a:effectRef>
+          <a:fontRef idx="minor">
+            <a:schemeClr val="dk1"/>
+          </a:fontRef>
+        </p:style>
+        <p:txBody>
+          <a:bodyPr wrap="square" rtlCol="0">
+            <a:spAutoFit/>
+          </a:bodyPr>
+          <a:lstStyle/>
+          <a:p>
+            <a:pPr algn="ctr"/>
+            <a:r>
+              <a:rPr lang="en-US" sz="1440" dirty="0"/>
+              <a:t>Photodetector</a:t>
+            </a:r>
+          </a:p>
+        </p:txBody>
+      </p:sp>
+      <p:cxnSp>
+        <p:nvCxnSpPr>
+          <p:cNvPr id="19" name="Elbow Connector 18">
+            <a:extLst>
+              <a:ext uri="{FF2B5EF4-FFF2-40B4-BE49-F238E27FC236}">
+                <a16:creationId xmlns:a16="http://schemas.microsoft.com/office/drawing/2014/main" id="{02AFEE84-625C-3A48-B54D-07CC73AC86B5}"/>
+              </a:ext>
+            </a:extLst>
+          </p:cNvPr>
+          <p:cNvCxnSpPr>
+            <a:cxnSpLocks/>
+            <a:stCxn id="16" idx="2"/>
+            <a:endCxn id="7" idx="3"/>
+          </p:cNvCxnSpPr>
+          <p:nvPr/>
+        </p:nvCxnSpPr>
+        <p:spPr>
+          <a:xfrm rot="5400000">
+            <a:off x="5307710" y="1736951"/>
+            <a:ext cx="447876" cy="3498718"/>
+          </a:xfrm>
+          <a:prstGeom prst="bentConnector2">
+            <a:avLst/>
+          </a:prstGeom>
+          <a:ln w="19050">
+            <a:solidFill>
+              <a:schemeClr val="tx1">
+                <a:lumMod val="75000"/>
+                <a:lumOff val="25000"/>
+              </a:schemeClr>
+            </a:solidFill>
+            <a:prstDash val="dash"/>
+          </a:ln>
+        </p:spPr>
+        <p:style>
+          <a:lnRef idx="1">
+            <a:schemeClr val="accent1"/>
+          </a:lnRef>
+          <a:fillRef idx="0">
+            <a:schemeClr val="accent1"/>
+          </a:fillRef>
+          <a:effectRef idx="0">
+            <a:schemeClr val="accent1"/>
+          </a:effectRef>
+          <a:fontRef idx="minor">
+            <a:schemeClr val="tx1"/>
+          </a:fontRef>
+        </p:style>
+      </p:cxnSp>
+      <p:cxnSp>
+        <p:nvCxnSpPr>
+          <p:cNvPr id="22" name="Straight Connector 21">
+            <a:extLst>
+              <a:ext uri="{FF2B5EF4-FFF2-40B4-BE49-F238E27FC236}">
+                <a16:creationId xmlns:a16="http://schemas.microsoft.com/office/drawing/2014/main" id="{57030F05-76F8-4747-8ADF-7010AB5CD536}"/>
+              </a:ext>
+            </a:extLst>
+          </p:cNvPr>
+          <p:cNvCxnSpPr/>
+          <p:nvPr/>
+        </p:nvCxnSpPr>
+        <p:spPr>
+          <a:xfrm>
+            <a:off x="5849030" y="2911775"/>
+            <a:ext cx="586596" cy="0"/>
+          </a:xfrm>
+          <a:prstGeom prst="line">
+            <a:avLst/>
+          </a:prstGeom>
+          <a:ln>
+            <a:solidFill>
+              <a:srgbClr val="E3EA0B"/>
+            </a:solidFill>
+          </a:ln>
+        </p:spPr>
+        <p:style>
+          <a:lnRef idx="1">
+            <a:schemeClr val="accent1"/>
+          </a:lnRef>
+          <a:fillRef idx="0">
+            <a:schemeClr val="accent1"/>
+          </a:fillRef>
+          <a:effectRef idx="0">
+            <a:schemeClr val="accent1"/>
+          </a:effectRef>
+          <a:fontRef idx="minor">
+            <a:schemeClr val="tx1"/>
+          </a:fontRef>
+        </p:style>
+      </p:cxnSp>
+      <p:cxnSp>
+        <p:nvCxnSpPr>
+          <p:cNvPr id="23" name="Straight Connector 22">
+            <a:extLst>
+              <a:ext uri="{FF2B5EF4-FFF2-40B4-BE49-F238E27FC236}">
+                <a16:creationId xmlns:a16="http://schemas.microsoft.com/office/drawing/2014/main" id="{C4402275-01EE-F346-AD94-4A72A943D41E}"/>
+              </a:ext>
+            </a:extLst>
+          </p:cNvPr>
+          <p:cNvCxnSpPr/>
+          <p:nvPr/>
+        </p:nvCxnSpPr>
+        <p:spPr>
+          <a:xfrm>
+            <a:off x="5849030" y="2975956"/>
+            <a:ext cx="586596" cy="0"/>
+          </a:xfrm>
+          <a:prstGeom prst="line">
+            <a:avLst/>
+          </a:prstGeom>
+          <a:ln>
+            <a:solidFill>
+              <a:srgbClr val="E3EA0B"/>
+            </a:solidFill>
+          </a:ln>
+        </p:spPr>
+        <p:style>
+          <a:lnRef idx="1">
+            <a:schemeClr val="accent1"/>
+          </a:lnRef>
+          <a:fillRef idx="0">
+            <a:schemeClr val="accent1"/>
+          </a:fillRef>
+          <a:effectRef idx="0">
+            <a:schemeClr val="accent1"/>
+          </a:effectRef>
+          <a:fontRef idx="minor">
+            <a:schemeClr val="tx1"/>
+          </a:fontRef>
+        </p:style>
+      </p:cxnSp>
+      <p:cxnSp>
+        <p:nvCxnSpPr>
+          <p:cNvPr id="24" name="Straight Connector 23">
+            <a:extLst>
+              <a:ext uri="{FF2B5EF4-FFF2-40B4-BE49-F238E27FC236}">
+                <a16:creationId xmlns:a16="http://schemas.microsoft.com/office/drawing/2014/main" id="{2637A513-F455-C84A-BC83-2689E30D10E9}"/>
+              </a:ext>
+            </a:extLst>
+          </p:cNvPr>
+          <p:cNvCxnSpPr/>
+          <p:nvPr/>
+        </p:nvCxnSpPr>
+        <p:spPr>
+          <a:xfrm>
+            <a:off x="5849030" y="2850033"/>
+            <a:ext cx="586596" cy="0"/>
+          </a:xfrm>
+          <a:prstGeom prst="line">
+            <a:avLst/>
+          </a:prstGeom>
+          <a:ln>
+            <a:solidFill>
+              <a:srgbClr val="E3EA0B"/>
+            </a:solidFill>
+          </a:ln>
+        </p:spPr>
+        <p:style>
+          <a:lnRef idx="1">
+            <a:schemeClr val="accent1"/>
+          </a:lnRef>
+          <a:fillRef idx="0">
+            <a:schemeClr val="accent1"/>
+          </a:fillRef>
+          <a:effectRef idx="0">
+            <a:schemeClr val="accent1"/>
+          </a:effectRef>
+          <a:fontRef idx="minor">
+            <a:schemeClr val="tx1"/>
+          </a:fontRef>
+        </p:style>
+      </p:cxnSp>
+    </p:spTree>
+    <p:extLst>
+      <p:ext uri="{BB962C8B-B14F-4D97-AF65-F5344CB8AC3E}">
+        <p14:creationId xmlns:p14="http://schemas.microsoft.com/office/powerpoint/2010/main" val="3010567985"/>
+      </p:ext>
+    </p:extLst>
+  </p:cSld>
+  <p:clrMapOvr>
+    <a:masterClrMapping/>
+  </p:clrMapOvr>
+</p:sld>
+</file>
+
 <file path=ppt/slides/slide2.xml><?xml version="1.0" encoding="utf-8"?>
 <p:sld xmlns:a="http://schemas.openxmlformats.org/drawingml/2006/main" xmlns:r="http://schemas.openxmlformats.org/officeDocument/2006/relationships" xmlns:p="http://schemas.openxmlformats.org/presentationml/2006/main">
   <p:cSld>
